--- a/Final-Group-Presentation/Sample Final Group Presentation(Sve it as PDF).pptx
+++ b/Final-Group-Presentation/Sample Final Group Presentation(Sve it as PDF).pptx
@@ -4,8 +4,16 @@
   <p:sldMasterIdLst>
     <p:sldMasterId id="2147483648" r:id="rId1"/>
   </p:sldMasterIdLst>
+  <p:notesMasterIdLst>
+    <p:notesMasterId r:id="rId8"/>
+  </p:notesMasterIdLst>
   <p:sldIdLst>
     <p:sldId id="256" r:id="rId2"/>
+    <p:sldId id="257" r:id="rId3"/>
+    <p:sldId id="258" r:id="rId4"/>
+    <p:sldId id="261" r:id="rId5"/>
+    <p:sldId id="260" r:id="rId6"/>
+    <p:sldId id="262" r:id="rId7"/>
   </p:sldIdLst>
   <p:sldSz cx="12192000" cy="6858000"/>
   <p:notesSz cx="6858000" cy="9144000"/>
@@ -104,7 +112,886 @@
       </a:defRPr>
     </a:lvl9pPr>
   </p:defaultTextStyle>
+  <p:extLst>
+    <p:ext uri="{EFAFB233-063F-42B5-8137-9DF3F51BA10A}">
+      <p15:sldGuideLst xmlns:p15="http://schemas.microsoft.com/office/powerpoint/2012/main"/>
+    </p:ext>
+  </p:extLst>
 </p:presentation>
+</file>
+
+<file path=ppt/notesMasters/notesMaster1.xml><?xml version="1.0" encoding="utf-8"?>
+<p:notesMaster xmlns:a="http://schemas.openxmlformats.org/drawingml/2006/main" xmlns:r="http://schemas.openxmlformats.org/officeDocument/2006/relationships" xmlns:p="http://schemas.openxmlformats.org/presentationml/2006/main">
+  <p:cSld>
+    <p:bg>
+      <p:bgRef idx="1001">
+        <a:schemeClr val="bg1"/>
+      </p:bgRef>
+    </p:bg>
+    <p:spTree>
+      <p:nvGrpSpPr>
+        <p:cNvPr id="1" name=""/>
+        <p:cNvGrpSpPr/>
+        <p:nvPr/>
+      </p:nvGrpSpPr>
+      <p:grpSpPr>
+        <a:xfrm>
+          <a:off x="0" y="0"/>
+          <a:ext cx="0" cy="0"/>
+          <a:chOff x="0" y="0"/>
+          <a:chExt cx="0" cy="0"/>
+        </a:xfrm>
+      </p:grpSpPr>
+      <p:sp>
+        <p:nvSpPr>
+          <p:cNvPr id="2" name="Header Placeholder 1"/>
+          <p:cNvSpPr>
+            <a:spLocks noGrp="1"/>
+          </p:cNvSpPr>
+          <p:nvPr>
+            <p:ph type="hdr" sz="quarter"/>
+          </p:nvPr>
+        </p:nvSpPr>
+        <p:spPr>
+          <a:xfrm>
+            <a:off x="0" y="0"/>
+            <a:ext cx="2971800" cy="458788"/>
+          </a:xfrm>
+          <a:prstGeom prst="rect">
+            <a:avLst/>
+          </a:prstGeom>
+        </p:spPr>
+        <p:txBody>
+          <a:bodyPr vert="horz" lIns="91440" tIns="45720" rIns="91440" bIns="45720" rtlCol="0"/>
+          <a:lstStyle>
+            <a:lvl1pPr algn="l">
+              <a:defRPr sz="1200"/>
+            </a:lvl1pPr>
+          </a:lstStyle>
+          <a:p>
+            <a:endParaRPr lang="en-US"/>
+          </a:p>
+        </p:txBody>
+      </p:sp>
+      <p:sp>
+        <p:nvSpPr>
+          <p:cNvPr id="3" name="Date Placeholder 2"/>
+          <p:cNvSpPr>
+            <a:spLocks noGrp="1"/>
+          </p:cNvSpPr>
+          <p:nvPr>
+            <p:ph type="dt" idx="1"/>
+          </p:nvPr>
+        </p:nvSpPr>
+        <p:spPr>
+          <a:xfrm>
+            <a:off x="3884613" y="0"/>
+            <a:ext cx="2971800" cy="458788"/>
+          </a:xfrm>
+          <a:prstGeom prst="rect">
+            <a:avLst/>
+          </a:prstGeom>
+        </p:spPr>
+        <p:txBody>
+          <a:bodyPr vert="horz" lIns="91440" tIns="45720" rIns="91440" bIns="45720" rtlCol="0"/>
+          <a:lstStyle>
+            <a:lvl1pPr algn="r">
+              <a:defRPr sz="1200"/>
+            </a:lvl1pPr>
+          </a:lstStyle>
+          <a:p>
+            <a:fld id="{50E52709-5ECC-8044-9942-4C9CF22CCC7F}" type="datetimeFigureOut">
+              <a:rPr lang="en-US" smtClean="0"/>
+              <a:t>4/14/20</a:t>
+            </a:fld>
+            <a:endParaRPr lang="en-US"/>
+          </a:p>
+        </p:txBody>
+      </p:sp>
+      <p:sp>
+        <p:nvSpPr>
+          <p:cNvPr id="4" name="Slide Image Placeholder 3"/>
+          <p:cNvSpPr>
+            <a:spLocks noGrp="1" noRot="1" noChangeAspect="1"/>
+          </p:cNvSpPr>
+          <p:nvPr>
+            <p:ph type="sldImg" idx="2"/>
+          </p:nvPr>
+        </p:nvSpPr>
+        <p:spPr>
+          <a:xfrm>
+            <a:off x="685800" y="1143000"/>
+            <a:ext cx="5486400" cy="3086100"/>
+          </a:xfrm>
+          <a:prstGeom prst="rect">
+            <a:avLst/>
+          </a:prstGeom>
+          <a:noFill/>
+          <a:ln w="12700">
+            <a:solidFill>
+              <a:prstClr val="black"/>
+            </a:solidFill>
+          </a:ln>
+        </p:spPr>
+        <p:txBody>
+          <a:bodyPr vert="horz" lIns="91440" tIns="45720" rIns="91440" bIns="45720" rtlCol="0" anchor="ctr"/>
+          <a:lstStyle/>
+          <a:p>
+            <a:endParaRPr lang="en-US"/>
+          </a:p>
+        </p:txBody>
+      </p:sp>
+      <p:sp>
+        <p:nvSpPr>
+          <p:cNvPr id="5" name="Notes Placeholder 4"/>
+          <p:cNvSpPr>
+            <a:spLocks noGrp="1"/>
+          </p:cNvSpPr>
+          <p:nvPr>
+            <p:ph type="body" sz="quarter" idx="3"/>
+          </p:nvPr>
+        </p:nvSpPr>
+        <p:spPr>
+          <a:xfrm>
+            <a:off x="685800" y="4400550"/>
+            <a:ext cx="5486400" cy="3600450"/>
+          </a:xfrm>
+          <a:prstGeom prst="rect">
+            <a:avLst/>
+          </a:prstGeom>
+        </p:spPr>
+        <p:txBody>
+          <a:bodyPr vert="horz" lIns="91440" tIns="45720" rIns="91440" bIns="45720" rtlCol="0"/>
+          <a:lstStyle/>
+          <a:p>
+            <a:pPr lvl="0"/>
+            <a:r>
+              <a:rPr lang="en-US"/>
+              <a:t>Click to edit Master text styles</a:t>
+            </a:r>
+          </a:p>
+          <a:p>
+            <a:pPr lvl="1"/>
+            <a:r>
+              <a:rPr lang="en-US"/>
+              <a:t>Second level</a:t>
+            </a:r>
+          </a:p>
+          <a:p>
+            <a:pPr lvl="2"/>
+            <a:r>
+              <a:rPr lang="en-US"/>
+              <a:t>Third level</a:t>
+            </a:r>
+          </a:p>
+          <a:p>
+            <a:pPr lvl="3"/>
+            <a:r>
+              <a:rPr lang="en-US"/>
+              <a:t>Fourth level</a:t>
+            </a:r>
+          </a:p>
+          <a:p>
+            <a:pPr lvl="4"/>
+            <a:r>
+              <a:rPr lang="en-US"/>
+              <a:t>Fifth level</a:t>
+            </a:r>
+          </a:p>
+        </p:txBody>
+      </p:sp>
+      <p:sp>
+        <p:nvSpPr>
+          <p:cNvPr id="6" name="Footer Placeholder 5"/>
+          <p:cNvSpPr>
+            <a:spLocks noGrp="1"/>
+          </p:cNvSpPr>
+          <p:nvPr>
+            <p:ph type="ftr" sz="quarter" idx="4"/>
+          </p:nvPr>
+        </p:nvSpPr>
+        <p:spPr>
+          <a:xfrm>
+            <a:off x="0" y="8685213"/>
+            <a:ext cx="2971800" cy="458787"/>
+          </a:xfrm>
+          <a:prstGeom prst="rect">
+            <a:avLst/>
+          </a:prstGeom>
+        </p:spPr>
+        <p:txBody>
+          <a:bodyPr vert="horz" lIns="91440" tIns="45720" rIns="91440" bIns="45720" rtlCol="0" anchor="b"/>
+          <a:lstStyle>
+            <a:lvl1pPr algn="l">
+              <a:defRPr sz="1200"/>
+            </a:lvl1pPr>
+          </a:lstStyle>
+          <a:p>
+            <a:endParaRPr lang="en-US"/>
+          </a:p>
+        </p:txBody>
+      </p:sp>
+      <p:sp>
+        <p:nvSpPr>
+          <p:cNvPr id="7" name="Slide Number Placeholder 6"/>
+          <p:cNvSpPr>
+            <a:spLocks noGrp="1"/>
+          </p:cNvSpPr>
+          <p:nvPr>
+            <p:ph type="sldNum" sz="quarter" idx="5"/>
+          </p:nvPr>
+        </p:nvSpPr>
+        <p:spPr>
+          <a:xfrm>
+            <a:off x="3884613" y="8685213"/>
+            <a:ext cx="2971800" cy="458787"/>
+          </a:xfrm>
+          <a:prstGeom prst="rect">
+            <a:avLst/>
+          </a:prstGeom>
+        </p:spPr>
+        <p:txBody>
+          <a:bodyPr vert="horz" lIns="91440" tIns="45720" rIns="91440" bIns="45720" rtlCol="0" anchor="b"/>
+          <a:lstStyle>
+            <a:lvl1pPr algn="r">
+              <a:defRPr sz="1200"/>
+            </a:lvl1pPr>
+          </a:lstStyle>
+          <a:p>
+            <a:fld id="{9B1BCF43-D255-F944-B487-72C9A7817D59}" type="slidenum">
+              <a:rPr lang="en-US" smtClean="0"/>
+              <a:t>‹#›</a:t>
+            </a:fld>
+            <a:endParaRPr lang="en-US"/>
+          </a:p>
+        </p:txBody>
+      </p:sp>
+    </p:spTree>
+    <p:extLst>
+      <p:ext uri="{BB962C8B-B14F-4D97-AF65-F5344CB8AC3E}">
+        <p14:creationId xmlns:p14="http://schemas.microsoft.com/office/powerpoint/2010/main" val="892841339"/>
+      </p:ext>
+    </p:extLst>
+  </p:cSld>
+  <p:clrMap bg1="lt1" tx1="dk1" bg2="lt2" tx2="dk2" accent1="accent1" accent2="accent2" accent3="accent3" accent4="accent4" accent5="accent5" accent6="accent6" hlink="hlink" folHlink="folHlink"/>
+  <p:notesStyle>
+    <a:lvl1pPr marL="0" algn="l" defTabSz="914400" rtl="0" eaLnBrk="1" latinLnBrk="0" hangingPunct="1">
+      <a:defRPr sz="1200" kern="1200">
+        <a:solidFill>
+          <a:schemeClr val="tx1"/>
+        </a:solidFill>
+        <a:latin typeface="+mn-lt"/>
+        <a:ea typeface="+mn-ea"/>
+        <a:cs typeface="+mn-cs"/>
+      </a:defRPr>
+    </a:lvl1pPr>
+    <a:lvl2pPr marL="457200" algn="l" defTabSz="914400" rtl="0" eaLnBrk="1" latinLnBrk="0" hangingPunct="1">
+      <a:defRPr sz="1200" kern="1200">
+        <a:solidFill>
+          <a:schemeClr val="tx1"/>
+        </a:solidFill>
+        <a:latin typeface="+mn-lt"/>
+        <a:ea typeface="+mn-ea"/>
+        <a:cs typeface="+mn-cs"/>
+      </a:defRPr>
+    </a:lvl2pPr>
+    <a:lvl3pPr marL="914400" algn="l" defTabSz="914400" rtl="0" eaLnBrk="1" latinLnBrk="0" hangingPunct="1">
+      <a:defRPr sz="1200" kern="1200">
+        <a:solidFill>
+          <a:schemeClr val="tx1"/>
+        </a:solidFill>
+        <a:latin typeface="+mn-lt"/>
+        <a:ea typeface="+mn-ea"/>
+        <a:cs typeface="+mn-cs"/>
+      </a:defRPr>
+    </a:lvl3pPr>
+    <a:lvl4pPr marL="1371600" algn="l" defTabSz="914400" rtl="0" eaLnBrk="1" latinLnBrk="0" hangingPunct="1">
+      <a:defRPr sz="1200" kern="1200">
+        <a:solidFill>
+          <a:schemeClr val="tx1"/>
+        </a:solidFill>
+        <a:latin typeface="+mn-lt"/>
+        <a:ea typeface="+mn-ea"/>
+        <a:cs typeface="+mn-cs"/>
+      </a:defRPr>
+    </a:lvl4pPr>
+    <a:lvl5pPr marL="1828800" algn="l" defTabSz="914400" rtl="0" eaLnBrk="1" latinLnBrk="0" hangingPunct="1">
+      <a:defRPr sz="1200" kern="1200">
+        <a:solidFill>
+          <a:schemeClr val="tx1"/>
+        </a:solidFill>
+        <a:latin typeface="+mn-lt"/>
+        <a:ea typeface="+mn-ea"/>
+        <a:cs typeface="+mn-cs"/>
+      </a:defRPr>
+    </a:lvl5pPr>
+    <a:lvl6pPr marL="2286000" algn="l" defTabSz="914400" rtl="0" eaLnBrk="1" latinLnBrk="0" hangingPunct="1">
+      <a:defRPr sz="1200" kern="1200">
+        <a:solidFill>
+          <a:schemeClr val="tx1"/>
+        </a:solidFill>
+        <a:latin typeface="+mn-lt"/>
+        <a:ea typeface="+mn-ea"/>
+        <a:cs typeface="+mn-cs"/>
+      </a:defRPr>
+    </a:lvl6pPr>
+    <a:lvl7pPr marL="2743200" algn="l" defTabSz="914400" rtl="0" eaLnBrk="1" latinLnBrk="0" hangingPunct="1">
+      <a:defRPr sz="1200" kern="1200">
+        <a:solidFill>
+          <a:schemeClr val="tx1"/>
+        </a:solidFill>
+        <a:latin typeface="+mn-lt"/>
+        <a:ea typeface="+mn-ea"/>
+        <a:cs typeface="+mn-cs"/>
+      </a:defRPr>
+    </a:lvl7pPr>
+    <a:lvl8pPr marL="3200400" algn="l" defTabSz="914400" rtl="0" eaLnBrk="1" latinLnBrk="0" hangingPunct="1">
+      <a:defRPr sz="1200" kern="1200">
+        <a:solidFill>
+          <a:schemeClr val="tx1"/>
+        </a:solidFill>
+        <a:latin typeface="+mn-lt"/>
+        <a:ea typeface="+mn-ea"/>
+        <a:cs typeface="+mn-cs"/>
+      </a:defRPr>
+    </a:lvl8pPr>
+    <a:lvl9pPr marL="3657600" algn="l" defTabSz="914400" rtl="0" eaLnBrk="1" latinLnBrk="0" hangingPunct="1">
+      <a:defRPr sz="1200" kern="1200">
+        <a:solidFill>
+          <a:schemeClr val="tx1"/>
+        </a:solidFill>
+        <a:latin typeface="+mn-lt"/>
+        <a:ea typeface="+mn-ea"/>
+        <a:cs typeface="+mn-cs"/>
+      </a:defRPr>
+    </a:lvl9pPr>
+  </p:notesStyle>
+</p:notesMaster>
+</file>
+
+<file path=ppt/notesSlides/notesSlide1.xml><?xml version="1.0" encoding="utf-8"?>
+<p:notes xmlns:a="http://schemas.openxmlformats.org/drawingml/2006/main" xmlns:r="http://schemas.openxmlformats.org/officeDocument/2006/relationships" xmlns:p="http://schemas.openxmlformats.org/presentationml/2006/main">
+  <p:cSld>
+    <p:spTree>
+      <p:nvGrpSpPr>
+        <p:cNvPr id="1" name=""/>
+        <p:cNvGrpSpPr/>
+        <p:nvPr/>
+      </p:nvGrpSpPr>
+      <p:grpSpPr>
+        <a:xfrm>
+          <a:off x="0" y="0"/>
+          <a:ext cx="0" cy="0"/>
+          <a:chOff x="0" y="0"/>
+          <a:chExt cx="0" cy="0"/>
+        </a:xfrm>
+      </p:grpSpPr>
+      <p:sp>
+        <p:nvSpPr>
+          <p:cNvPr id="2" name="Slide Image Placeholder 1"/>
+          <p:cNvSpPr>
+            <a:spLocks noGrp="1" noRot="1" noChangeAspect="1"/>
+          </p:cNvSpPr>
+          <p:nvPr>
+            <p:ph type="sldImg"/>
+          </p:nvPr>
+        </p:nvSpPr>
+        <p:spPr/>
+      </p:sp>
+      <p:sp>
+        <p:nvSpPr>
+          <p:cNvPr id="3" name="Notes Placeholder 2"/>
+          <p:cNvSpPr>
+            <a:spLocks noGrp="1"/>
+          </p:cNvSpPr>
+          <p:nvPr>
+            <p:ph type="body" idx="1"/>
+          </p:nvPr>
+        </p:nvSpPr>
+        <p:spPr/>
+        <p:txBody>
+          <a:bodyPr/>
+          <a:lstStyle/>
+          <a:p>
+            <a:r>
+              <a:rPr lang="en-US" dirty="0"/>
+              <a:t>We used US Accidents dataset from Kaggle which has 2.9million observations and 49 features</a:t>
+            </a:r>
+          </a:p>
+          <a:p>
+            <a:endParaRPr lang="en-US" dirty="0"/>
+          </a:p>
+          <a:p>
+            <a:r>
+              <a:rPr lang="en-US" dirty="0"/>
+              <a:t>Our application is a Data analysis and Visualization tool to help understand the complex and large dataset from US accidents</a:t>
+            </a:r>
+          </a:p>
+          <a:p>
+            <a:r>
+              <a:rPr lang="en-US" dirty="0"/>
+              <a:t>It also uses Algorithms such as Decision Trees, Random Forest, SVM etc. to help predict severity of accidents with specific arguments in our chosen parameters</a:t>
+            </a:r>
+          </a:p>
+        </p:txBody>
+      </p:sp>
+      <p:sp>
+        <p:nvSpPr>
+          <p:cNvPr id="4" name="Slide Number Placeholder 3"/>
+          <p:cNvSpPr>
+            <a:spLocks noGrp="1"/>
+          </p:cNvSpPr>
+          <p:nvPr>
+            <p:ph type="sldNum" sz="quarter" idx="5"/>
+          </p:nvPr>
+        </p:nvSpPr>
+        <p:spPr/>
+        <p:txBody>
+          <a:bodyPr/>
+          <a:lstStyle/>
+          <a:p>
+            <a:fld id="{9B1BCF43-D255-F944-B487-72C9A7817D59}" type="slidenum">
+              <a:rPr lang="en-US" smtClean="0"/>
+              <a:t>2</a:t>
+            </a:fld>
+            <a:endParaRPr lang="en-US"/>
+          </a:p>
+        </p:txBody>
+      </p:sp>
+    </p:spTree>
+    <p:extLst>
+      <p:ext uri="{BB962C8B-B14F-4D97-AF65-F5344CB8AC3E}">
+        <p14:creationId xmlns:p14="http://schemas.microsoft.com/office/powerpoint/2010/main" val="116997154"/>
+      </p:ext>
+    </p:extLst>
+  </p:cSld>
+  <p:clrMapOvr>
+    <a:masterClrMapping/>
+  </p:clrMapOvr>
+</p:notes>
+</file>
+
+<file path=ppt/notesSlides/notesSlide2.xml><?xml version="1.0" encoding="utf-8"?>
+<p:notes xmlns:a="http://schemas.openxmlformats.org/drawingml/2006/main" xmlns:r="http://schemas.openxmlformats.org/officeDocument/2006/relationships" xmlns:p="http://schemas.openxmlformats.org/presentationml/2006/main">
+  <p:cSld>
+    <p:spTree>
+      <p:nvGrpSpPr>
+        <p:cNvPr id="1" name=""/>
+        <p:cNvGrpSpPr/>
+        <p:nvPr/>
+      </p:nvGrpSpPr>
+      <p:grpSpPr>
+        <a:xfrm>
+          <a:off x="0" y="0"/>
+          <a:ext cx="0" cy="0"/>
+          <a:chOff x="0" y="0"/>
+          <a:chExt cx="0" cy="0"/>
+        </a:xfrm>
+      </p:grpSpPr>
+      <p:sp>
+        <p:nvSpPr>
+          <p:cNvPr id="2" name="Slide Image Placeholder 1"/>
+          <p:cNvSpPr>
+            <a:spLocks noGrp="1" noRot="1" noChangeAspect="1"/>
+          </p:cNvSpPr>
+          <p:nvPr>
+            <p:ph type="sldImg"/>
+          </p:nvPr>
+        </p:nvSpPr>
+        <p:spPr/>
+      </p:sp>
+      <p:sp>
+        <p:nvSpPr>
+          <p:cNvPr id="3" name="Notes Placeholder 2"/>
+          <p:cNvSpPr>
+            <a:spLocks noGrp="1"/>
+          </p:cNvSpPr>
+          <p:nvPr>
+            <p:ph type="body" idx="1"/>
+          </p:nvPr>
+        </p:nvSpPr>
+        <p:spPr/>
+        <p:txBody>
+          <a:bodyPr/>
+          <a:lstStyle/>
+          <a:p>
+            <a:r>
+              <a:rPr lang="en-US" dirty="0"/>
+              <a:t>We deleted unnecessary columns such as where the data set was gathered</a:t>
+            </a:r>
+          </a:p>
+          <a:p>
+            <a:r>
+              <a:rPr lang="en-US" dirty="0"/>
+              <a:t>We deleted missing data</a:t>
+            </a:r>
+          </a:p>
+          <a:p>
+            <a:r>
+              <a:rPr lang="en-US" dirty="0"/>
+              <a:t>We formatted columns for specific use. Example, objects to strings, floats, integers, so it can be used properly</a:t>
+            </a:r>
+          </a:p>
+          <a:p>
+            <a:endParaRPr lang="en-US" dirty="0"/>
+          </a:p>
+          <a:p>
+            <a:endParaRPr lang="en-US" dirty="0"/>
+          </a:p>
+        </p:txBody>
+      </p:sp>
+      <p:sp>
+        <p:nvSpPr>
+          <p:cNvPr id="4" name="Slide Number Placeholder 3"/>
+          <p:cNvSpPr>
+            <a:spLocks noGrp="1"/>
+          </p:cNvSpPr>
+          <p:nvPr>
+            <p:ph type="sldNum" sz="quarter" idx="5"/>
+          </p:nvPr>
+        </p:nvSpPr>
+        <p:spPr/>
+        <p:txBody>
+          <a:bodyPr/>
+          <a:lstStyle/>
+          <a:p>
+            <a:fld id="{9B1BCF43-D255-F944-B487-72C9A7817D59}" type="slidenum">
+              <a:rPr lang="en-US" smtClean="0"/>
+              <a:t>3</a:t>
+            </a:fld>
+            <a:endParaRPr lang="en-US"/>
+          </a:p>
+        </p:txBody>
+      </p:sp>
+    </p:spTree>
+    <p:extLst>
+      <p:ext uri="{BB962C8B-B14F-4D97-AF65-F5344CB8AC3E}">
+        <p14:creationId xmlns:p14="http://schemas.microsoft.com/office/powerpoint/2010/main" val="200335692"/>
+      </p:ext>
+    </p:extLst>
+  </p:cSld>
+  <p:clrMapOvr>
+    <a:masterClrMapping/>
+  </p:clrMapOvr>
+</p:notes>
+</file>
+
+<file path=ppt/notesSlides/notesSlide3.xml><?xml version="1.0" encoding="utf-8"?>
+<p:notes xmlns:a="http://schemas.openxmlformats.org/drawingml/2006/main" xmlns:r="http://schemas.openxmlformats.org/officeDocument/2006/relationships" xmlns:p="http://schemas.openxmlformats.org/presentationml/2006/main">
+  <p:cSld>
+    <p:spTree>
+      <p:nvGrpSpPr>
+        <p:cNvPr id="1" name=""/>
+        <p:cNvGrpSpPr/>
+        <p:nvPr/>
+      </p:nvGrpSpPr>
+      <p:grpSpPr>
+        <a:xfrm>
+          <a:off x="0" y="0"/>
+          <a:ext cx="0" cy="0"/>
+          <a:chOff x="0" y="0"/>
+          <a:chExt cx="0" cy="0"/>
+        </a:xfrm>
+      </p:grpSpPr>
+      <p:sp>
+        <p:nvSpPr>
+          <p:cNvPr id="2" name="Slide Image Placeholder 1"/>
+          <p:cNvSpPr>
+            <a:spLocks noGrp="1" noRot="1" noChangeAspect="1"/>
+          </p:cNvSpPr>
+          <p:nvPr>
+            <p:ph type="sldImg"/>
+          </p:nvPr>
+        </p:nvSpPr>
+        <p:spPr/>
+      </p:sp>
+      <p:sp>
+        <p:nvSpPr>
+          <p:cNvPr id="3" name="Notes Placeholder 2"/>
+          <p:cNvSpPr>
+            <a:spLocks noGrp="1"/>
+          </p:cNvSpPr>
+          <p:nvPr>
+            <p:ph type="body" idx="1"/>
+          </p:nvPr>
+        </p:nvSpPr>
+        <p:spPr/>
+        <p:txBody>
+          <a:bodyPr/>
+          <a:lstStyle/>
+          <a:p>
+            <a:r>
+              <a:rPr lang="en-US" dirty="0"/>
+              <a:t>We created an interactive screen to be able to control parameters in our applications</a:t>
+            </a:r>
+          </a:p>
+          <a:p>
+            <a:endParaRPr lang="en-US" dirty="0"/>
+          </a:p>
+          <a:p>
+            <a:r>
+              <a:rPr lang="en-US" dirty="0"/>
+              <a:t>The training split can be specified on the screen, rather than hard coded.</a:t>
+            </a:r>
+          </a:p>
+          <a:p>
+            <a:r>
+              <a:rPr lang="en-US" dirty="0"/>
+              <a:t>The Algorithm can be chosen from a list dropdown box</a:t>
+            </a:r>
+          </a:p>
+          <a:p>
+            <a:r>
+              <a:rPr lang="en-US" dirty="0"/>
+              <a:t>The accuracy of the model is displayed in the screen after training</a:t>
+            </a:r>
+          </a:p>
+          <a:p>
+            <a:endParaRPr lang="en-US" dirty="0"/>
+          </a:p>
+          <a:p>
+            <a:r>
+              <a:rPr lang="en-US" dirty="0"/>
+              <a:t>We also created a prediction of severity of the accident feature in our application</a:t>
+            </a:r>
+          </a:p>
+          <a:p>
+            <a:r>
+              <a:rPr lang="en-US" dirty="0"/>
+              <a:t>The prediction will be based on the current trained model that I just mentioned</a:t>
+            </a:r>
+          </a:p>
+          <a:p>
+            <a:r>
+              <a:rPr lang="en-US" dirty="0"/>
+              <a:t>There will inputs provided, and the prediction will be displayed on the screen</a:t>
+            </a:r>
+          </a:p>
+          <a:p>
+            <a:endParaRPr lang="en-US" dirty="0"/>
+          </a:p>
+          <a:p>
+            <a:endParaRPr lang="en-US" dirty="0"/>
+          </a:p>
+        </p:txBody>
+      </p:sp>
+      <p:sp>
+        <p:nvSpPr>
+          <p:cNvPr id="4" name="Slide Number Placeholder 3"/>
+          <p:cNvSpPr>
+            <a:spLocks noGrp="1"/>
+          </p:cNvSpPr>
+          <p:nvPr>
+            <p:ph type="sldNum" sz="quarter" idx="5"/>
+          </p:nvPr>
+        </p:nvSpPr>
+        <p:spPr/>
+        <p:txBody>
+          <a:bodyPr/>
+          <a:lstStyle/>
+          <a:p>
+            <a:fld id="{9B1BCF43-D255-F944-B487-72C9A7817D59}" type="slidenum">
+              <a:rPr lang="en-US" smtClean="0"/>
+              <a:t>4</a:t>
+            </a:fld>
+            <a:endParaRPr lang="en-US"/>
+          </a:p>
+        </p:txBody>
+      </p:sp>
+    </p:spTree>
+    <p:extLst>
+      <p:ext uri="{BB962C8B-B14F-4D97-AF65-F5344CB8AC3E}">
+        <p14:creationId xmlns:p14="http://schemas.microsoft.com/office/powerpoint/2010/main" val="3889412070"/>
+      </p:ext>
+    </p:extLst>
+  </p:cSld>
+  <p:clrMapOvr>
+    <a:masterClrMapping/>
+  </p:clrMapOvr>
+</p:notes>
+</file>
+
+<file path=ppt/notesSlides/notesSlide4.xml><?xml version="1.0" encoding="utf-8"?>
+<p:notes xmlns:a="http://schemas.openxmlformats.org/drawingml/2006/main" xmlns:r="http://schemas.openxmlformats.org/officeDocument/2006/relationships" xmlns:p="http://schemas.openxmlformats.org/presentationml/2006/main">
+  <p:cSld>
+    <p:spTree>
+      <p:nvGrpSpPr>
+        <p:cNvPr id="1" name=""/>
+        <p:cNvGrpSpPr/>
+        <p:nvPr/>
+      </p:nvGrpSpPr>
+      <p:grpSpPr>
+        <a:xfrm>
+          <a:off x="0" y="0"/>
+          <a:ext cx="0" cy="0"/>
+          <a:chOff x="0" y="0"/>
+          <a:chExt cx="0" cy="0"/>
+        </a:xfrm>
+      </p:grpSpPr>
+      <p:sp>
+        <p:nvSpPr>
+          <p:cNvPr id="2" name="Slide Image Placeholder 1"/>
+          <p:cNvSpPr>
+            <a:spLocks noGrp="1" noRot="1" noChangeAspect="1"/>
+          </p:cNvSpPr>
+          <p:nvPr>
+            <p:ph type="sldImg"/>
+          </p:nvPr>
+        </p:nvSpPr>
+        <p:spPr/>
+      </p:sp>
+      <p:sp>
+        <p:nvSpPr>
+          <p:cNvPr id="3" name="Notes Placeholder 2"/>
+          <p:cNvSpPr>
+            <a:spLocks noGrp="1"/>
+          </p:cNvSpPr>
+          <p:nvPr>
+            <p:ph type="body" idx="1"/>
+          </p:nvPr>
+        </p:nvSpPr>
+        <p:spPr/>
+        <p:txBody>
+          <a:bodyPr/>
+          <a:lstStyle/>
+          <a:p>
+            <a:r>
+              <a:rPr lang="en-US" dirty="0"/>
+              <a:t>Our application has these specific features.</a:t>
+            </a:r>
+          </a:p>
+          <a:p>
+            <a:endParaRPr lang="en-US" dirty="0"/>
+          </a:p>
+          <a:p>
+            <a:r>
+              <a:rPr lang="en-US" dirty="0"/>
+              <a:t>TRAINING</a:t>
+            </a:r>
+          </a:p>
+          <a:p>
+            <a:r>
+              <a:rPr lang="en-US" dirty="0"/>
+              <a:t>The chosen model is trained with specific train and test splits</a:t>
+            </a:r>
+          </a:p>
+          <a:p>
+            <a:r>
+              <a:rPr lang="en-US" dirty="0"/>
+              <a:t>The accuracy of the model is displayed after training</a:t>
+            </a:r>
+          </a:p>
+          <a:p>
+            <a:endParaRPr lang="en-US" dirty="0"/>
+          </a:p>
+          <a:p>
+            <a:r>
+              <a:rPr lang="en-US" dirty="0"/>
+              <a:t>SUMMARY OF STATISTICS</a:t>
+            </a:r>
+          </a:p>
+          <a:p>
+            <a:r>
+              <a:rPr lang="en-US" dirty="0"/>
+              <a:t>After training, the application will display mean, max, std, and quartiles for the number of samples provided</a:t>
+            </a:r>
+          </a:p>
+          <a:p>
+            <a:endParaRPr lang="en-US" dirty="0"/>
+          </a:p>
+          <a:p>
+            <a:r>
+              <a:rPr lang="en-US" dirty="0"/>
+              <a:t>GRAPHS</a:t>
+            </a:r>
+          </a:p>
+          <a:p>
+            <a:r>
+              <a:rPr lang="en-US" dirty="0"/>
+              <a:t>Graphs such as histograms and correlation heatmaps will also be shown after training the specified number of samples</a:t>
+            </a:r>
+          </a:p>
+          <a:p>
+            <a:endParaRPr lang="en-US" dirty="0"/>
+          </a:p>
+          <a:p>
+            <a:r>
+              <a:rPr lang="en-US" dirty="0"/>
+              <a:t>GEO MAPS</a:t>
+            </a:r>
+          </a:p>
+          <a:p>
+            <a:r>
+              <a:rPr lang="en-US" dirty="0"/>
+              <a:t>The samples will be plotted in a map showing their specific details</a:t>
+            </a:r>
+          </a:p>
+          <a:p>
+            <a:endParaRPr lang="en-US" dirty="0"/>
+          </a:p>
+          <a:p>
+            <a:r>
+              <a:rPr lang="en-US" dirty="0"/>
+              <a:t>CLUSTERED GEO MAPS</a:t>
+            </a:r>
+          </a:p>
+          <a:p>
+            <a:r>
+              <a:rPr lang="en-US" dirty="0"/>
+              <a:t>Large samples sizes are clustered to display number of datapoints in a certain area</a:t>
+            </a:r>
+          </a:p>
+          <a:p>
+            <a:endParaRPr lang="en-US" dirty="0"/>
+          </a:p>
+          <a:p>
+            <a:r>
+              <a:rPr lang="en-US" dirty="0"/>
+              <a:t>PREDICTION</a:t>
+            </a:r>
+          </a:p>
+          <a:p>
+            <a:r>
+              <a:rPr lang="en-US" dirty="0"/>
+              <a:t>Severity of accident can be predicted using specific inputs and a current trained model.</a:t>
+            </a:r>
+          </a:p>
+        </p:txBody>
+      </p:sp>
+      <p:sp>
+        <p:nvSpPr>
+          <p:cNvPr id="4" name="Slide Number Placeholder 3"/>
+          <p:cNvSpPr>
+            <a:spLocks noGrp="1"/>
+          </p:cNvSpPr>
+          <p:nvPr>
+            <p:ph type="sldNum" sz="quarter" idx="5"/>
+          </p:nvPr>
+        </p:nvSpPr>
+        <p:spPr/>
+        <p:txBody>
+          <a:bodyPr/>
+          <a:lstStyle/>
+          <a:p>
+            <a:fld id="{9B1BCF43-D255-F944-B487-72C9A7817D59}" type="slidenum">
+              <a:rPr lang="en-US" smtClean="0"/>
+              <a:t>5</a:t>
+            </a:fld>
+            <a:endParaRPr lang="en-US"/>
+          </a:p>
+        </p:txBody>
+      </p:sp>
+    </p:spTree>
+    <p:extLst>
+      <p:ext uri="{BB962C8B-B14F-4D97-AF65-F5344CB8AC3E}">
+        <p14:creationId xmlns:p14="http://schemas.microsoft.com/office/powerpoint/2010/main" val="2173695845"/>
+      </p:ext>
+    </p:extLst>
+  </p:cSld>
+  <p:clrMapOvr>
+    <a:masterClrMapping/>
+  </p:clrMapOvr>
+</p:notes>
 </file>
 
 <file path=ppt/slideLayouts/slideLayout1.xml><?xml version="1.0" encoding="utf-8"?>
@@ -254,7 +1141,7 @@
           <a:p>
             <a:fld id="{B9697A7F-CD11-1542-A0CB-EEE68EC1F712}" type="datetimeFigureOut">
               <a:rPr lang="en-US" smtClean="0"/>
-              <a:t>3/26/20</a:t>
+              <a:t>4/14/20</a:t>
             </a:fld>
             <a:endParaRPr lang="en-US"/>
           </a:p>
@@ -452,7 +1339,7 @@
           <a:p>
             <a:fld id="{B9697A7F-CD11-1542-A0CB-EEE68EC1F712}" type="datetimeFigureOut">
               <a:rPr lang="en-US" smtClean="0"/>
-              <a:t>3/26/20</a:t>
+              <a:t>4/14/20</a:t>
             </a:fld>
             <a:endParaRPr lang="en-US"/>
           </a:p>
@@ -660,7 +1547,7 @@
           <a:p>
             <a:fld id="{B9697A7F-CD11-1542-A0CB-EEE68EC1F712}" type="datetimeFigureOut">
               <a:rPr lang="en-US" smtClean="0"/>
-              <a:t>3/26/20</a:t>
+              <a:t>4/14/20</a:t>
             </a:fld>
             <a:endParaRPr lang="en-US"/>
           </a:p>
@@ -858,7 +1745,7 @@
           <a:p>
             <a:fld id="{B9697A7F-CD11-1542-A0CB-EEE68EC1F712}" type="datetimeFigureOut">
               <a:rPr lang="en-US" smtClean="0"/>
-              <a:t>3/26/20</a:t>
+              <a:t>4/14/20</a:t>
             </a:fld>
             <a:endParaRPr lang="en-US"/>
           </a:p>
@@ -1133,7 +2020,7 @@
           <a:p>
             <a:fld id="{B9697A7F-CD11-1542-A0CB-EEE68EC1F712}" type="datetimeFigureOut">
               <a:rPr lang="en-US" smtClean="0"/>
-              <a:t>3/26/20</a:t>
+              <a:t>4/14/20</a:t>
             </a:fld>
             <a:endParaRPr lang="en-US"/>
           </a:p>
@@ -1398,7 +2285,7 @@
           <a:p>
             <a:fld id="{B9697A7F-CD11-1542-A0CB-EEE68EC1F712}" type="datetimeFigureOut">
               <a:rPr lang="en-US" smtClean="0"/>
-              <a:t>3/26/20</a:t>
+              <a:t>4/14/20</a:t>
             </a:fld>
             <a:endParaRPr lang="en-US"/>
           </a:p>
@@ -1810,7 +2697,7 @@
           <a:p>
             <a:fld id="{B9697A7F-CD11-1542-A0CB-EEE68EC1F712}" type="datetimeFigureOut">
               <a:rPr lang="en-US" smtClean="0"/>
-              <a:t>3/26/20</a:t>
+              <a:t>4/14/20</a:t>
             </a:fld>
             <a:endParaRPr lang="en-US"/>
           </a:p>
@@ -1951,7 +2838,7 @@
           <a:p>
             <a:fld id="{B9697A7F-CD11-1542-A0CB-EEE68EC1F712}" type="datetimeFigureOut">
               <a:rPr lang="en-US" smtClean="0"/>
-              <a:t>3/26/20</a:t>
+              <a:t>4/14/20</a:t>
             </a:fld>
             <a:endParaRPr lang="en-US"/>
           </a:p>
@@ -2064,7 +2951,7 @@
           <a:p>
             <a:fld id="{B9697A7F-CD11-1542-A0CB-EEE68EC1F712}" type="datetimeFigureOut">
               <a:rPr lang="en-US" smtClean="0"/>
-              <a:t>3/26/20</a:t>
+              <a:t>4/14/20</a:t>
             </a:fld>
             <a:endParaRPr lang="en-US"/>
           </a:p>
@@ -2375,7 +3262,7 @@
           <a:p>
             <a:fld id="{B9697A7F-CD11-1542-A0CB-EEE68EC1F712}" type="datetimeFigureOut">
               <a:rPr lang="en-US" smtClean="0"/>
-              <a:t>3/26/20</a:t>
+              <a:t>4/14/20</a:t>
             </a:fld>
             <a:endParaRPr lang="en-US"/>
           </a:p>
@@ -2663,7 +3550,7 @@
           <a:p>
             <a:fld id="{B9697A7F-CD11-1542-A0CB-EEE68EC1F712}" type="datetimeFigureOut">
               <a:rPr lang="en-US" smtClean="0"/>
-              <a:t>3/26/20</a:t>
+              <a:t>4/14/20</a:t>
             </a:fld>
             <a:endParaRPr lang="en-US"/>
           </a:p>
@@ -2904,7 +3791,7 @@
           <a:p>
             <a:fld id="{B9697A7F-CD11-1542-A0CB-EEE68EC1F712}" type="datetimeFigureOut">
               <a:rPr lang="en-US" smtClean="0"/>
-              <a:t>3/26/20</a:t>
+              <a:t>4/14/20</a:t>
             </a:fld>
             <a:endParaRPr lang="en-US"/>
           </a:p>
@@ -3307,6 +4194,14 @@
 <file path=ppt/slides/slide1.xml><?xml version="1.0" encoding="utf-8"?>
 <p:sld xmlns:a="http://schemas.openxmlformats.org/drawingml/2006/main" xmlns:r="http://schemas.openxmlformats.org/officeDocument/2006/relationships" xmlns:p="http://schemas.openxmlformats.org/presentationml/2006/main">
   <p:cSld>
+    <p:bg>
+      <p:bgPr>
+        <a:solidFill>
+          <a:schemeClr val="bg1"/>
+        </a:solidFill>
+        <a:effectLst/>
+      </p:bgPr>
+    </p:bg>
     <p:spTree>
       <p:nvGrpSpPr>
         <p:cNvPr id="1" name=""/>
@@ -3323,6 +4218,78 @@
       </p:grpSpPr>
       <p:sp>
         <p:nvSpPr>
+          <p:cNvPr id="32" name="Rectangle 25">
+            <a:extLst>
+              <a:ext uri="{FF2B5EF4-FFF2-40B4-BE49-F238E27FC236}">
+                <a16:creationId xmlns:a16="http://schemas.microsoft.com/office/drawing/2014/main" id="{FB5B0058-AF13-4859-B429-4EDDE2A26F7F}"/>
+              </a:ext>
+              <a:ext uri="{C183D7F6-B498-43B3-948B-1728B52AA6E4}">
+                <adec:decorative xmlns:adec="http://schemas.microsoft.com/office/drawing/2017/decorative" val="1"/>
+              </a:ext>
+            </a:extLst>
+          </p:cNvPr>
+          <p:cNvSpPr>
+            <a:spLocks noGrp="1" noRot="1" noChangeAspect="1" noMove="1" noResize="1" noEditPoints="1" noAdjustHandles="1" noChangeArrowheads="1" noChangeShapeType="1" noTextEdit="1"/>
+          </p:cNvSpPr>
+          <p:nvPr>
+            <p:extLst>
+              <p:ext uri="{386F3935-93C4-4BCD-93E2-E3B085C9AB24}">
+                <p16:designElem xmlns:p16="http://schemas.microsoft.com/office/powerpoint/2015/main" val="1"/>
+              </p:ext>
+            </p:extLst>
+          </p:nvPr>
+        </p:nvSpPr>
+        <p:spPr>
+          <a:xfrm>
+            <a:off x="0" y="0"/>
+            <a:ext cx="12192000" cy="6858000"/>
+          </a:xfrm>
+          <a:prstGeom prst="rect">
+            <a:avLst/>
+          </a:prstGeom>
+          <a:solidFill>
+            <a:schemeClr val="tx1">
+              <a:lumMod val="95000"/>
+              <a:lumOff val="5000"/>
+            </a:schemeClr>
+          </a:solidFill>
+          <a:ln>
+            <a:noFill/>
+          </a:ln>
+        </p:spPr>
+        <p:style>
+          <a:lnRef idx="2">
+            <a:schemeClr val="accent1">
+              <a:shade val="50000"/>
+            </a:schemeClr>
+          </a:lnRef>
+          <a:fillRef idx="1">
+            <a:schemeClr val="accent1"/>
+          </a:fillRef>
+          <a:effectRef idx="0">
+            <a:schemeClr val="accent1"/>
+          </a:effectRef>
+          <a:fontRef idx="minor">
+            <a:schemeClr val="lt1"/>
+          </a:fontRef>
+        </p:style>
+        <p:txBody>
+          <a:bodyPr rtlCol="0" anchor="ctr"/>
+          <a:lstStyle/>
+          <a:p>
+            <a:pPr algn="ctr"/>
+            <a:endParaRPr lang="en-US" dirty="0">
+              <a:solidFill>
+                <a:schemeClr val="bg1">
+                  <a:lumMod val="50000"/>
+                </a:schemeClr>
+              </a:solidFill>
+            </a:endParaRPr>
+          </a:p>
+        </p:txBody>
+      </p:sp>
+      <p:sp>
+        <p:nvSpPr>
           <p:cNvPr id="2" name="Title 1">
             <a:extLst>
               <a:ext uri="{FF2B5EF4-FFF2-40B4-BE49-F238E27FC236}">
@@ -3337,14 +4304,56 @@
             <p:ph type="ctrTitle"/>
           </p:nvPr>
         </p:nvSpPr>
-        <p:spPr/>
-        <p:txBody>
-          <a:bodyPr/>
-          <a:lstStyle/>
-          <a:p>
-            <a:r>
-              <a:rPr lang="en-US" dirty="0"/>
-              <a:t>Data Mining Final Group Presentation</a:t>
+        <p:spPr>
+          <a:xfrm>
+            <a:off x="1932903" y="949325"/>
+            <a:ext cx="8071706" cy="2387600"/>
+          </a:xfrm>
+        </p:spPr>
+        <p:txBody>
+          <a:bodyPr>
+            <a:normAutofit/>
+          </a:bodyPr>
+          <a:lstStyle/>
+          <a:p>
+            <a:pPr algn="l"/>
+            <a:r>
+              <a:rPr lang="en-US" sz="5100" dirty="0">
+                <a:solidFill>
+                  <a:schemeClr val="bg1"/>
+                </a:solidFill>
+              </a:rPr>
+              <a:t>Data Mining </a:t>
+            </a:r>
+            <a:br>
+              <a:rPr lang="en-US" sz="5100" dirty="0">
+                <a:solidFill>
+                  <a:schemeClr val="bg1"/>
+                </a:solidFill>
+              </a:rPr>
+            </a:br>
+            <a:r>
+              <a:rPr lang="en-US" sz="5100" dirty="0">
+                <a:solidFill>
+                  <a:schemeClr val="bg1"/>
+                </a:solidFill>
+              </a:rPr>
+              <a:t>Final Group Presentation</a:t>
+            </a:r>
+            <a:br>
+              <a:rPr lang="en-US" sz="5100" dirty="0">
+                <a:solidFill>
+                  <a:schemeClr val="bg1"/>
+                </a:solidFill>
+              </a:rPr>
+            </a:br>
+            <a:r>
+              <a:rPr lang="en-US" sz="5100" dirty="0">
+                <a:solidFill>
+                  <a:schemeClr val="bg1"/>
+                </a:solidFill>
+              </a:rPr>
+              <a:t>(US Accidents Dataset)</a:t>
             </a:r>
           </a:p>
         </p:txBody>
@@ -3365,22 +4374,1725 @@
             <p:ph type="subTitle" idx="1"/>
           </p:nvPr>
         </p:nvSpPr>
-        <p:spPr/>
-        <p:txBody>
-          <a:bodyPr/>
-          <a:lstStyle/>
-          <a:p>
-            <a:r>
-              <a:rPr lang="en-US" dirty="0"/>
-              <a:t>Data mining</a:t>
-            </a:r>
-          </a:p>
-        </p:txBody>
-      </p:sp>
+        <p:spPr>
+          <a:xfrm>
+            <a:off x="1932902" y="3429000"/>
+            <a:ext cx="8071697" cy="1655762"/>
+          </a:xfrm>
+        </p:spPr>
+        <p:txBody>
+          <a:bodyPr>
+            <a:normAutofit/>
+          </a:bodyPr>
+          <a:lstStyle/>
+          <a:p>
+            <a:pPr algn="l"/>
+            <a:r>
+              <a:rPr lang="en-US" sz="2000">
+                <a:solidFill>
+                  <a:schemeClr val="bg1"/>
+                </a:solidFill>
+              </a:rPr>
+              <a:t>Group 7</a:t>
+            </a:r>
+          </a:p>
+          <a:p>
+            <a:pPr algn="l"/>
+            <a:r>
+              <a:rPr lang="en-US" sz="2000">
+                <a:solidFill>
+                  <a:schemeClr val="bg1"/>
+                </a:solidFill>
+              </a:rPr>
+              <a:t>Gregg Legarda</a:t>
+            </a:r>
+          </a:p>
+          <a:p>
+            <a:pPr algn="l"/>
+            <a:r>
+              <a:rPr lang="en-US" sz="2000">
+                <a:solidFill>
+                  <a:schemeClr val="bg1"/>
+                </a:solidFill>
+              </a:rPr>
+              <a:t>Daniel Frey</a:t>
+            </a:r>
+          </a:p>
+          <a:p>
+            <a:pPr algn="l"/>
+            <a:r>
+              <a:rPr lang="en-US" sz="2000">
+                <a:solidFill>
+                  <a:schemeClr val="bg1"/>
+                </a:solidFill>
+              </a:rPr>
+              <a:t>Serena Wang</a:t>
+            </a:r>
+          </a:p>
+          <a:p>
+            <a:pPr algn="l"/>
+            <a:endParaRPr lang="en-US" sz="2000" dirty="0">
+              <a:solidFill>
+                <a:schemeClr val="bg1"/>
+              </a:solidFill>
+            </a:endParaRPr>
+          </a:p>
+        </p:txBody>
+      </p:sp>
+      <p:cxnSp>
+        <p:nvCxnSpPr>
+          <p:cNvPr id="33" name="Straight Connector 27">
+            <a:extLst>
+              <a:ext uri="{FF2B5EF4-FFF2-40B4-BE49-F238E27FC236}">
+                <a16:creationId xmlns:a16="http://schemas.microsoft.com/office/drawing/2014/main" id="{EC4521DE-248E-440D-AAD6-FD9E7D34B3BF}"/>
+              </a:ext>
+              <a:ext uri="{C183D7F6-B498-43B3-948B-1728B52AA6E4}">
+                <adec:decorative xmlns:adec="http://schemas.microsoft.com/office/drawing/2017/decorative" val="1"/>
+              </a:ext>
+            </a:extLst>
+          </p:cNvPr>
+          <p:cNvCxnSpPr>
+            <a:cxnSpLocks noGrp="1" noRot="1" noChangeAspect="1" noMove="1" noResize="1" noEditPoints="1" noAdjustHandles="1" noChangeArrowheads="1" noChangeShapeType="1"/>
+          </p:cNvCxnSpPr>
+          <p:nvPr>
+            <p:extLst>
+              <p:ext uri="{386F3935-93C4-4BCD-93E2-E3B085C9AB24}">
+                <p16:designElem xmlns:p16="http://schemas.microsoft.com/office/powerpoint/2015/main" val="1"/>
+              </p:ext>
+            </p:extLst>
+          </p:nvPr>
+        </p:nvCxnSpPr>
+        <p:spPr>
+          <a:xfrm>
+            <a:off x="585285" y="0"/>
+            <a:ext cx="0" cy="6858000"/>
+          </a:xfrm>
+          <a:prstGeom prst="line">
+            <a:avLst/>
+          </a:prstGeom>
+          <a:ln w="12700">
+            <a:solidFill>
+              <a:schemeClr val="accent2"/>
+            </a:solidFill>
+          </a:ln>
+        </p:spPr>
+        <p:style>
+          <a:lnRef idx="1">
+            <a:schemeClr val="accent1"/>
+          </a:lnRef>
+          <a:fillRef idx="0">
+            <a:schemeClr val="accent1"/>
+          </a:fillRef>
+          <a:effectRef idx="0">
+            <a:schemeClr val="accent1"/>
+          </a:effectRef>
+          <a:fontRef idx="minor">
+            <a:schemeClr val="tx1"/>
+          </a:fontRef>
+        </p:style>
+      </p:cxnSp>
+      <p:cxnSp>
+        <p:nvCxnSpPr>
+          <p:cNvPr id="34" name="Straight Connector 29">
+            <a:extLst>
+              <a:ext uri="{FF2B5EF4-FFF2-40B4-BE49-F238E27FC236}">
+                <a16:creationId xmlns:a16="http://schemas.microsoft.com/office/drawing/2014/main" id="{442C13FA-4C0F-42D0-9626-5BA6040D8C31}"/>
+              </a:ext>
+              <a:ext uri="{C183D7F6-B498-43B3-948B-1728B52AA6E4}">
+                <adec:decorative xmlns:adec="http://schemas.microsoft.com/office/drawing/2017/decorative" val="1"/>
+              </a:ext>
+            </a:extLst>
+          </p:cNvPr>
+          <p:cNvCxnSpPr>
+            <a:cxnSpLocks noGrp="1" noRot="1" noChangeAspect="1" noMove="1" noResize="1" noEditPoints="1" noAdjustHandles="1" noChangeArrowheads="1" noChangeShapeType="1"/>
+          </p:cNvCxnSpPr>
+          <p:nvPr>
+            <p:extLst>
+              <p:ext uri="{386F3935-93C4-4BCD-93E2-E3B085C9AB24}">
+                <p16:designElem xmlns:p16="http://schemas.microsoft.com/office/powerpoint/2015/main" val="1"/>
+              </p:ext>
+            </p:extLst>
+          </p:nvPr>
+        </p:nvCxnSpPr>
+        <p:spPr>
+          <a:xfrm flipH="1">
+            <a:off x="0" y="6252485"/>
+            <a:ext cx="12192000" cy="0"/>
+          </a:xfrm>
+          <a:prstGeom prst="line">
+            <a:avLst/>
+          </a:prstGeom>
+          <a:ln w="12700">
+            <a:solidFill>
+              <a:schemeClr val="accent2"/>
+            </a:solidFill>
+          </a:ln>
+        </p:spPr>
+        <p:style>
+          <a:lnRef idx="1">
+            <a:schemeClr val="accent1"/>
+          </a:lnRef>
+          <a:fillRef idx="0">
+            <a:schemeClr val="accent1"/>
+          </a:fillRef>
+          <a:effectRef idx="0">
+            <a:schemeClr val="accent1"/>
+          </a:effectRef>
+          <a:fontRef idx="minor">
+            <a:schemeClr val="tx1"/>
+          </a:fontRef>
+        </p:style>
+      </p:cxnSp>
     </p:spTree>
     <p:extLst>
       <p:ext uri="{BB962C8B-B14F-4D97-AF65-F5344CB8AC3E}">
         <p14:creationId xmlns:p14="http://schemas.microsoft.com/office/powerpoint/2010/main" val="1900679413"/>
+      </p:ext>
+    </p:extLst>
+  </p:cSld>
+  <p:clrMapOvr>
+    <a:masterClrMapping/>
+  </p:clrMapOvr>
+</p:sld>
+</file>
+
+<file path=ppt/slides/slide2.xml><?xml version="1.0" encoding="utf-8"?>
+<p:sld xmlns:a="http://schemas.openxmlformats.org/drawingml/2006/main" xmlns:r="http://schemas.openxmlformats.org/officeDocument/2006/relationships" xmlns:p="http://schemas.openxmlformats.org/presentationml/2006/main">
+  <p:cSld>
+    <p:bg>
+      <p:bgPr>
+        <a:solidFill>
+          <a:schemeClr val="bg1"/>
+        </a:solidFill>
+        <a:effectLst/>
+      </p:bgPr>
+    </p:bg>
+    <p:spTree>
+      <p:nvGrpSpPr>
+        <p:cNvPr id="1" name=""/>
+        <p:cNvGrpSpPr/>
+        <p:nvPr/>
+      </p:nvGrpSpPr>
+      <p:grpSpPr>
+        <a:xfrm>
+          <a:off x="0" y="0"/>
+          <a:ext cx="0" cy="0"/>
+          <a:chOff x="0" y="0"/>
+          <a:chExt cx="0" cy="0"/>
+        </a:xfrm>
+      </p:grpSpPr>
+      <p:sp>
+        <p:nvSpPr>
+          <p:cNvPr id="8" name="Rectangle 7">
+            <a:extLst>
+              <a:ext uri="{FF2B5EF4-FFF2-40B4-BE49-F238E27FC236}">
+                <a16:creationId xmlns:a16="http://schemas.microsoft.com/office/drawing/2014/main" id="{E8A8EAB8-D2FF-444D-B34B-7D32F106AD0E}"/>
+              </a:ext>
+              <a:ext uri="{C183D7F6-B498-43B3-948B-1728B52AA6E4}">
+                <adec:decorative xmlns:adec="http://schemas.microsoft.com/office/drawing/2017/decorative" val="1"/>
+              </a:ext>
+            </a:extLst>
+          </p:cNvPr>
+          <p:cNvSpPr>
+            <a:spLocks noGrp="1" noRot="1" noChangeAspect="1" noMove="1" noResize="1" noEditPoints="1" noAdjustHandles="1" noChangeArrowheads="1" noChangeShapeType="1" noTextEdit="1"/>
+          </p:cNvSpPr>
+          <p:nvPr>
+            <p:extLst>
+              <p:ext uri="{386F3935-93C4-4BCD-93E2-E3B085C9AB24}">
+                <p16:designElem xmlns:p16="http://schemas.microsoft.com/office/powerpoint/2015/main" val="1"/>
+              </p:ext>
+            </p:extLst>
+          </p:nvPr>
+        </p:nvSpPr>
+        <p:spPr>
+          <a:xfrm>
+            <a:off x="0" y="0"/>
+            <a:ext cx="12192000" cy="6858000"/>
+          </a:xfrm>
+          <a:prstGeom prst="rect">
+            <a:avLst/>
+          </a:prstGeom>
+          <a:solidFill>
+            <a:schemeClr val="tx1">
+              <a:lumMod val="95000"/>
+              <a:lumOff val="5000"/>
+            </a:schemeClr>
+          </a:solidFill>
+          <a:ln>
+            <a:noFill/>
+          </a:ln>
+        </p:spPr>
+        <p:style>
+          <a:lnRef idx="2">
+            <a:schemeClr val="accent1">
+              <a:shade val="50000"/>
+            </a:schemeClr>
+          </a:lnRef>
+          <a:fillRef idx="1">
+            <a:schemeClr val="accent1"/>
+          </a:fillRef>
+          <a:effectRef idx="0">
+            <a:schemeClr val="accent1"/>
+          </a:effectRef>
+          <a:fontRef idx="minor">
+            <a:schemeClr val="lt1"/>
+          </a:fontRef>
+        </p:style>
+        <p:txBody>
+          <a:bodyPr rtlCol="0" anchor="ctr"/>
+          <a:lstStyle/>
+          <a:p>
+            <a:pPr algn="ctr"/>
+            <a:endParaRPr lang="en-US" dirty="0">
+              <a:solidFill>
+                <a:schemeClr val="bg1"/>
+              </a:solidFill>
+            </a:endParaRPr>
+          </a:p>
+        </p:txBody>
+      </p:sp>
+      <p:sp>
+        <p:nvSpPr>
+          <p:cNvPr id="2" name="Title 1">
+            <a:extLst>
+              <a:ext uri="{FF2B5EF4-FFF2-40B4-BE49-F238E27FC236}">
+                <a16:creationId xmlns:a16="http://schemas.microsoft.com/office/drawing/2014/main" id="{706821DD-8F97-2942-8291-CC2EA91A63B6}"/>
+              </a:ext>
+            </a:extLst>
+          </p:cNvPr>
+          <p:cNvSpPr>
+            <a:spLocks noGrp="1"/>
+          </p:cNvSpPr>
+          <p:nvPr>
+            <p:ph type="title"/>
+          </p:nvPr>
+        </p:nvSpPr>
+        <p:spPr>
+          <a:xfrm>
+            <a:off x="1014141" y="1450655"/>
+            <a:ext cx="3932030" cy="3956690"/>
+          </a:xfrm>
+        </p:spPr>
+        <p:txBody>
+          <a:bodyPr anchor="ctr">
+            <a:normAutofit/>
+          </a:bodyPr>
+          <a:lstStyle/>
+          <a:p>
+            <a:r>
+              <a:rPr lang="en-US" sz="5600">
+                <a:solidFill>
+                  <a:schemeClr val="bg1"/>
+                </a:solidFill>
+              </a:rPr>
+              <a:t>Introduction</a:t>
+            </a:r>
+          </a:p>
+        </p:txBody>
+      </p:sp>
+      <p:cxnSp>
+        <p:nvCxnSpPr>
+          <p:cNvPr id="10" name="Straight Connector 9">
+            <a:extLst>
+              <a:ext uri="{FF2B5EF4-FFF2-40B4-BE49-F238E27FC236}">
+                <a16:creationId xmlns:a16="http://schemas.microsoft.com/office/drawing/2014/main" id="{067633D1-6EE6-4118-B9F0-B363477BEE7A}"/>
+              </a:ext>
+              <a:ext uri="{C183D7F6-B498-43B3-948B-1728B52AA6E4}">
+                <adec:decorative xmlns:adec="http://schemas.microsoft.com/office/drawing/2017/decorative" val="1"/>
+              </a:ext>
+            </a:extLst>
+          </p:cNvPr>
+          <p:cNvCxnSpPr>
+            <a:cxnSpLocks noGrp="1" noRot="1" noChangeAspect="1" noMove="1" noResize="1" noEditPoints="1" noAdjustHandles="1" noChangeArrowheads="1" noChangeShapeType="1"/>
+          </p:cNvCxnSpPr>
+          <p:nvPr>
+            <p:extLst>
+              <p:ext uri="{386F3935-93C4-4BCD-93E2-E3B085C9AB24}">
+                <p16:designElem xmlns:p16="http://schemas.microsoft.com/office/powerpoint/2015/main" val="1"/>
+              </p:ext>
+            </p:extLst>
+          </p:nvPr>
+        </p:nvCxnSpPr>
+        <p:spPr>
+          <a:xfrm flipH="1">
+            <a:off x="1014141" y="1450655"/>
+            <a:ext cx="3932030" cy="0"/>
+          </a:xfrm>
+          <a:prstGeom prst="line">
+            <a:avLst/>
+          </a:prstGeom>
+          <a:ln w="12700">
+            <a:solidFill>
+              <a:schemeClr val="accent2"/>
+            </a:solidFill>
+          </a:ln>
+        </p:spPr>
+        <p:style>
+          <a:lnRef idx="1">
+            <a:schemeClr val="accent1"/>
+          </a:lnRef>
+          <a:fillRef idx="0">
+            <a:schemeClr val="accent1"/>
+          </a:fillRef>
+          <a:effectRef idx="0">
+            <a:schemeClr val="accent1"/>
+          </a:effectRef>
+          <a:fontRef idx="minor">
+            <a:schemeClr val="tx1"/>
+          </a:fontRef>
+        </p:style>
+      </p:cxnSp>
+      <p:cxnSp>
+        <p:nvCxnSpPr>
+          <p:cNvPr id="12" name="Straight Connector 11">
+            <a:extLst>
+              <a:ext uri="{FF2B5EF4-FFF2-40B4-BE49-F238E27FC236}">
+                <a16:creationId xmlns:a16="http://schemas.microsoft.com/office/drawing/2014/main" id="{4AD7FFC6-42A9-49CB-B5E9-B3F6B038331B}"/>
+              </a:ext>
+              <a:ext uri="{C183D7F6-B498-43B3-948B-1728B52AA6E4}">
+                <adec:decorative xmlns:adec="http://schemas.microsoft.com/office/drawing/2017/decorative" val="1"/>
+              </a:ext>
+            </a:extLst>
+          </p:cNvPr>
+          <p:cNvCxnSpPr>
+            <a:cxnSpLocks noGrp="1" noRot="1" noChangeAspect="1" noMove="1" noResize="1" noEditPoints="1" noAdjustHandles="1" noChangeArrowheads="1" noChangeShapeType="1"/>
+          </p:cNvCxnSpPr>
+          <p:nvPr>
+            <p:extLst>
+              <p:ext uri="{386F3935-93C4-4BCD-93E2-E3B085C9AB24}">
+                <p16:designElem xmlns:p16="http://schemas.microsoft.com/office/powerpoint/2015/main" val="1"/>
+              </p:ext>
+            </p:extLst>
+          </p:nvPr>
+        </p:nvCxnSpPr>
+        <p:spPr>
+          <a:xfrm flipH="1">
+            <a:off x="1014141" y="5408571"/>
+            <a:ext cx="3932030" cy="0"/>
+          </a:xfrm>
+          <a:prstGeom prst="line">
+            <a:avLst/>
+          </a:prstGeom>
+          <a:ln w="12700">
+            <a:solidFill>
+              <a:schemeClr val="accent2"/>
+            </a:solidFill>
+          </a:ln>
+        </p:spPr>
+        <p:style>
+          <a:lnRef idx="1">
+            <a:schemeClr val="accent1"/>
+          </a:lnRef>
+          <a:fillRef idx="0">
+            <a:schemeClr val="accent1"/>
+          </a:fillRef>
+          <a:effectRef idx="0">
+            <a:schemeClr val="accent1"/>
+          </a:effectRef>
+          <a:fontRef idx="minor">
+            <a:schemeClr val="tx1"/>
+          </a:fontRef>
+        </p:style>
+      </p:cxnSp>
+      <p:sp>
+        <p:nvSpPr>
+          <p:cNvPr id="3" name="Content Placeholder 2">
+            <a:extLst>
+              <a:ext uri="{FF2B5EF4-FFF2-40B4-BE49-F238E27FC236}">
+                <a16:creationId xmlns:a16="http://schemas.microsoft.com/office/drawing/2014/main" id="{62A727BF-A674-3244-A9F0-5AACF504F494}"/>
+              </a:ext>
+            </a:extLst>
+          </p:cNvPr>
+          <p:cNvSpPr>
+            <a:spLocks noGrp="1"/>
+          </p:cNvSpPr>
+          <p:nvPr>
+            <p:ph idx="1"/>
+          </p:nvPr>
+        </p:nvSpPr>
+        <p:spPr>
+          <a:xfrm>
+            <a:off x="6096000" y="1108061"/>
+            <a:ext cx="5008901" cy="4571972"/>
+          </a:xfrm>
+        </p:spPr>
+        <p:txBody>
+          <a:bodyPr anchor="ctr">
+            <a:normAutofit/>
+          </a:bodyPr>
+          <a:lstStyle/>
+          <a:p>
+            <a:r>
+              <a:rPr lang="en-US" sz="2000">
+                <a:solidFill>
+                  <a:schemeClr val="bg1"/>
+                </a:solidFill>
+              </a:rPr>
+              <a:t>Our dataset</a:t>
+            </a:r>
+          </a:p>
+          <a:p>
+            <a:r>
+              <a:rPr lang="en-US" sz="2000">
+                <a:solidFill>
+                  <a:schemeClr val="bg1"/>
+                </a:solidFill>
+              </a:rPr>
+              <a:t>Our application</a:t>
+            </a:r>
+          </a:p>
+        </p:txBody>
+      </p:sp>
+    </p:spTree>
+    <p:extLst>
+      <p:ext uri="{BB962C8B-B14F-4D97-AF65-F5344CB8AC3E}">
+        <p14:creationId xmlns:p14="http://schemas.microsoft.com/office/powerpoint/2010/main" val="1340371706"/>
+      </p:ext>
+    </p:extLst>
+  </p:cSld>
+  <p:clrMapOvr>
+    <a:masterClrMapping/>
+  </p:clrMapOvr>
+</p:sld>
+</file>
+
+<file path=ppt/slides/slide3.xml><?xml version="1.0" encoding="utf-8"?>
+<p:sld xmlns:a="http://schemas.openxmlformats.org/drawingml/2006/main" xmlns:r="http://schemas.openxmlformats.org/officeDocument/2006/relationships" xmlns:p="http://schemas.openxmlformats.org/presentationml/2006/main">
+  <p:cSld>
+    <p:bg>
+      <p:bgPr>
+        <a:solidFill>
+          <a:schemeClr val="bg1"/>
+        </a:solidFill>
+        <a:effectLst/>
+      </p:bgPr>
+    </p:bg>
+    <p:spTree>
+      <p:nvGrpSpPr>
+        <p:cNvPr id="1" name=""/>
+        <p:cNvGrpSpPr/>
+        <p:nvPr/>
+      </p:nvGrpSpPr>
+      <p:grpSpPr>
+        <a:xfrm>
+          <a:off x="0" y="0"/>
+          <a:ext cx="0" cy="0"/>
+          <a:chOff x="0" y="0"/>
+          <a:chExt cx="0" cy="0"/>
+        </a:xfrm>
+      </p:grpSpPr>
+      <p:sp>
+        <p:nvSpPr>
+          <p:cNvPr id="8" name="Rectangle 7">
+            <a:extLst>
+              <a:ext uri="{FF2B5EF4-FFF2-40B4-BE49-F238E27FC236}">
+                <a16:creationId xmlns:a16="http://schemas.microsoft.com/office/drawing/2014/main" id="{E8A8EAB8-D2FF-444D-B34B-7D32F106AD0E}"/>
+              </a:ext>
+              <a:ext uri="{C183D7F6-B498-43B3-948B-1728B52AA6E4}">
+                <adec:decorative xmlns:adec="http://schemas.microsoft.com/office/drawing/2017/decorative" val="1"/>
+              </a:ext>
+            </a:extLst>
+          </p:cNvPr>
+          <p:cNvSpPr>
+            <a:spLocks noGrp="1" noRot="1" noChangeAspect="1" noMove="1" noResize="1" noEditPoints="1" noAdjustHandles="1" noChangeArrowheads="1" noChangeShapeType="1" noTextEdit="1"/>
+          </p:cNvSpPr>
+          <p:nvPr>
+            <p:extLst>
+              <p:ext uri="{386F3935-93C4-4BCD-93E2-E3B085C9AB24}">
+                <p16:designElem xmlns:p16="http://schemas.microsoft.com/office/powerpoint/2015/main" val="1"/>
+              </p:ext>
+            </p:extLst>
+          </p:nvPr>
+        </p:nvSpPr>
+        <p:spPr>
+          <a:xfrm>
+            <a:off x="0" y="0"/>
+            <a:ext cx="12192000" cy="6858000"/>
+          </a:xfrm>
+          <a:prstGeom prst="rect">
+            <a:avLst/>
+          </a:prstGeom>
+          <a:solidFill>
+            <a:schemeClr val="tx1">
+              <a:lumMod val="95000"/>
+              <a:lumOff val="5000"/>
+            </a:schemeClr>
+          </a:solidFill>
+          <a:ln>
+            <a:noFill/>
+          </a:ln>
+        </p:spPr>
+        <p:style>
+          <a:lnRef idx="2">
+            <a:schemeClr val="accent1">
+              <a:shade val="50000"/>
+            </a:schemeClr>
+          </a:lnRef>
+          <a:fillRef idx="1">
+            <a:schemeClr val="accent1"/>
+          </a:fillRef>
+          <a:effectRef idx="0">
+            <a:schemeClr val="accent1"/>
+          </a:effectRef>
+          <a:fontRef idx="minor">
+            <a:schemeClr val="lt1"/>
+          </a:fontRef>
+        </p:style>
+        <p:txBody>
+          <a:bodyPr rtlCol="0" anchor="ctr"/>
+          <a:lstStyle/>
+          <a:p>
+            <a:pPr algn="ctr"/>
+            <a:endParaRPr lang="en-US" dirty="0">
+              <a:solidFill>
+                <a:schemeClr val="bg1"/>
+              </a:solidFill>
+            </a:endParaRPr>
+          </a:p>
+        </p:txBody>
+      </p:sp>
+      <p:sp>
+        <p:nvSpPr>
+          <p:cNvPr id="2" name="Title 1">
+            <a:extLst>
+              <a:ext uri="{FF2B5EF4-FFF2-40B4-BE49-F238E27FC236}">
+                <a16:creationId xmlns:a16="http://schemas.microsoft.com/office/drawing/2014/main" id="{4B6B82D9-B503-EE4C-B3AF-E6A0BA0B2D13}"/>
+              </a:ext>
+            </a:extLst>
+          </p:cNvPr>
+          <p:cNvSpPr>
+            <a:spLocks noGrp="1"/>
+          </p:cNvSpPr>
+          <p:nvPr>
+            <p:ph type="title"/>
+          </p:nvPr>
+        </p:nvSpPr>
+        <p:spPr>
+          <a:xfrm>
+            <a:off x="1014141" y="1450655"/>
+            <a:ext cx="3932030" cy="3956690"/>
+          </a:xfrm>
+        </p:spPr>
+        <p:txBody>
+          <a:bodyPr anchor="ctr">
+            <a:normAutofit/>
+          </a:bodyPr>
+          <a:lstStyle/>
+          <a:p>
+            <a:r>
+              <a:rPr lang="en-US" sz="5000">
+                <a:solidFill>
+                  <a:schemeClr val="bg1"/>
+                </a:solidFill>
+              </a:rPr>
+              <a:t>Preprocessing</a:t>
+            </a:r>
+          </a:p>
+        </p:txBody>
+      </p:sp>
+      <p:cxnSp>
+        <p:nvCxnSpPr>
+          <p:cNvPr id="10" name="Straight Connector 9">
+            <a:extLst>
+              <a:ext uri="{FF2B5EF4-FFF2-40B4-BE49-F238E27FC236}">
+                <a16:creationId xmlns:a16="http://schemas.microsoft.com/office/drawing/2014/main" id="{067633D1-6EE6-4118-B9F0-B363477BEE7A}"/>
+              </a:ext>
+              <a:ext uri="{C183D7F6-B498-43B3-948B-1728B52AA6E4}">
+                <adec:decorative xmlns:adec="http://schemas.microsoft.com/office/drawing/2017/decorative" val="1"/>
+              </a:ext>
+            </a:extLst>
+          </p:cNvPr>
+          <p:cNvCxnSpPr>
+            <a:cxnSpLocks noGrp="1" noRot="1" noChangeAspect="1" noMove="1" noResize="1" noEditPoints="1" noAdjustHandles="1" noChangeArrowheads="1" noChangeShapeType="1"/>
+          </p:cNvCxnSpPr>
+          <p:nvPr>
+            <p:extLst>
+              <p:ext uri="{386F3935-93C4-4BCD-93E2-E3B085C9AB24}">
+                <p16:designElem xmlns:p16="http://schemas.microsoft.com/office/powerpoint/2015/main" val="1"/>
+              </p:ext>
+            </p:extLst>
+          </p:nvPr>
+        </p:nvCxnSpPr>
+        <p:spPr>
+          <a:xfrm flipH="1">
+            <a:off x="1014141" y="1450655"/>
+            <a:ext cx="3932030" cy="0"/>
+          </a:xfrm>
+          <a:prstGeom prst="line">
+            <a:avLst/>
+          </a:prstGeom>
+          <a:ln w="12700">
+            <a:solidFill>
+              <a:schemeClr val="accent2"/>
+            </a:solidFill>
+          </a:ln>
+        </p:spPr>
+        <p:style>
+          <a:lnRef idx="1">
+            <a:schemeClr val="accent1"/>
+          </a:lnRef>
+          <a:fillRef idx="0">
+            <a:schemeClr val="accent1"/>
+          </a:fillRef>
+          <a:effectRef idx="0">
+            <a:schemeClr val="accent1"/>
+          </a:effectRef>
+          <a:fontRef idx="minor">
+            <a:schemeClr val="tx1"/>
+          </a:fontRef>
+        </p:style>
+      </p:cxnSp>
+      <p:cxnSp>
+        <p:nvCxnSpPr>
+          <p:cNvPr id="12" name="Straight Connector 11">
+            <a:extLst>
+              <a:ext uri="{FF2B5EF4-FFF2-40B4-BE49-F238E27FC236}">
+                <a16:creationId xmlns:a16="http://schemas.microsoft.com/office/drawing/2014/main" id="{4AD7FFC6-42A9-49CB-B5E9-B3F6B038331B}"/>
+              </a:ext>
+              <a:ext uri="{C183D7F6-B498-43B3-948B-1728B52AA6E4}">
+                <adec:decorative xmlns:adec="http://schemas.microsoft.com/office/drawing/2017/decorative" val="1"/>
+              </a:ext>
+            </a:extLst>
+          </p:cNvPr>
+          <p:cNvCxnSpPr>
+            <a:cxnSpLocks noGrp="1" noRot="1" noChangeAspect="1" noMove="1" noResize="1" noEditPoints="1" noAdjustHandles="1" noChangeArrowheads="1" noChangeShapeType="1"/>
+          </p:cNvCxnSpPr>
+          <p:nvPr>
+            <p:extLst>
+              <p:ext uri="{386F3935-93C4-4BCD-93E2-E3B085C9AB24}">
+                <p16:designElem xmlns:p16="http://schemas.microsoft.com/office/powerpoint/2015/main" val="1"/>
+              </p:ext>
+            </p:extLst>
+          </p:nvPr>
+        </p:nvCxnSpPr>
+        <p:spPr>
+          <a:xfrm flipH="1">
+            <a:off x="1014141" y="5408571"/>
+            <a:ext cx="3932030" cy="0"/>
+          </a:xfrm>
+          <a:prstGeom prst="line">
+            <a:avLst/>
+          </a:prstGeom>
+          <a:ln w="12700">
+            <a:solidFill>
+              <a:schemeClr val="accent2"/>
+            </a:solidFill>
+          </a:ln>
+        </p:spPr>
+        <p:style>
+          <a:lnRef idx="1">
+            <a:schemeClr val="accent1"/>
+          </a:lnRef>
+          <a:fillRef idx="0">
+            <a:schemeClr val="accent1"/>
+          </a:fillRef>
+          <a:effectRef idx="0">
+            <a:schemeClr val="accent1"/>
+          </a:effectRef>
+          <a:fontRef idx="minor">
+            <a:schemeClr val="tx1"/>
+          </a:fontRef>
+        </p:style>
+      </p:cxnSp>
+      <p:sp>
+        <p:nvSpPr>
+          <p:cNvPr id="3" name="Content Placeholder 2">
+            <a:extLst>
+              <a:ext uri="{FF2B5EF4-FFF2-40B4-BE49-F238E27FC236}">
+                <a16:creationId xmlns:a16="http://schemas.microsoft.com/office/drawing/2014/main" id="{A55C392E-F3A7-1E40-89BE-51D049444D9D}"/>
+              </a:ext>
+            </a:extLst>
+          </p:cNvPr>
+          <p:cNvSpPr>
+            <a:spLocks noGrp="1"/>
+          </p:cNvSpPr>
+          <p:nvPr>
+            <p:ph idx="1"/>
+          </p:nvPr>
+        </p:nvSpPr>
+        <p:spPr>
+          <a:xfrm>
+            <a:off x="6096000" y="1108061"/>
+            <a:ext cx="5008901" cy="4571972"/>
+          </a:xfrm>
+        </p:spPr>
+        <p:txBody>
+          <a:bodyPr anchor="ctr">
+            <a:normAutofit/>
+          </a:bodyPr>
+          <a:lstStyle/>
+          <a:p>
+            <a:endParaRPr lang="en-US" sz="2000">
+              <a:solidFill>
+                <a:schemeClr val="bg1"/>
+              </a:solidFill>
+            </a:endParaRPr>
+          </a:p>
+        </p:txBody>
+      </p:sp>
+    </p:spTree>
+    <p:extLst>
+      <p:ext uri="{BB962C8B-B14F-4D97-AF65-F5344CB8AC3E}">
+        <p14:creationId xmlns:p14="http://schemas.microsoft.com/office/powerpoint/2010/main" val="1391561617"/>
+      </p:ext>
+    </p:extLst>
+  </p:cSld>
+  <p:clrMapOvr>
+    <a:masterClrMapping/>
+  </p:clrMapOvr>
+</p:sld>
+</file>
+
+<file path=ppt/slides/slide4.xml><?xml version="1.0" encoding="utf-8"?>
+<p:sld xmlns:a="http://schemas.openxmlformats.org/drawingml/2006/main" xmlns:r="http://schemas.openxmlformats.org/officeDocument/2006/relationships" xmlns:p="http://schemas.openxmlformats.org/presentationml/2006/main">
+  <p:cSld>
+    <p:bg>
+      <p:bgPr>
+        <a:solidFill>
+          <a:schemeClr val="bg1"/>
+        </a:solidFill>
+        <a:effectLst/>
+      </p:bgPr>
+    </p:bg>
+    <p:spTree>
+      <p:nvGrpSpPr>
+        <p:cNvPr id="1" name=""/>
+        <p:cNvGrpSpPr/>
+        <p:nvPr/>
+      </p:nvGrpSpPr>
+      <p:grpSpPr>
+        <a:xfrm>
+          <a:off x="0" y="0"/>
+          <a:ext cx="0" cy="0"/>
+          <a:chOff x="0" y="0"/>
+          <a:chExt cx="0" cy="0"/>
+        </a:xfrm>
+      </p:grpSpPr>
+      <p:sp>
+        <p:nvSpPr>
+          <p:cNvPr id="8" name="Rectangle 7">
+            <a:extLst>
+              <a:ext uri="{FF2B5EF4-FFF2-40B4-BE49-F238E27FC236}">
+                <a16:creationId xmlns:a16="http://schemas.microsoft.com/office/drawing/2014/main" id="{E8A8EAB8-D2FF-444D-B34B-7D32F106AD0E}"/>
+              </a:ext>
+              <a:ext uri="{C183D7F6-B498-43B3-948B-1728B52AA6E4}">
+                <adec:decorative xmlns:adec="http://schemas.microsoft.com/office/drawing/2017/decorative" val="1"/>
+              </a:ext>
+            </a:extLst>
+          </p:cNvPr>
+          <p:cNvSpPr>
+            <a:spLocks noGrp="1" noRot="1" noChangeAspect="1" noMove="1" noResize="1" noEditPoints="1" noAdjustHandles="1" noChangeArrowheads="1" noChangeShapeType="1" noTextEdit="1"/>
+          </p:cNvSpPr>
+          <p:nvPr>
+            <p:extLst>
+              <p:ext uri="{386F3935-93C4-4BCD-93E2-E3B085C9AB24}">
+                <p16:designElem xmlns:p16="http://schemas.microsoft.com/office/powerpoint/2015/main" val="1"/>
+              </p:ext>
+            </p:extLst>
+          </p:nvPr>
+        </p:nvSpPr>
+        <p:spPr>
+          <a:xfrm>
+            <a:off x="0" y="0"/>
+            <a:ext cx="12192000" cy="6858000"/>
+          </a:xfrm>
+          <a:prstGeom prst="rect">
+            <a:avLst/>
+          </a:prstGeom>
+          <a:solidFill>
+            <a:schemeClr val="tx1">
+              <a:lumMod val="95000"/>
+              <a:lumOff val="5000"/>
+            </a:schemeClr>
+          </a:solidFill>
+          <a:ln>
+            <a:noFill/>
+          </a:ln>
+        </p:spPr>
+        <p:style>
+          <a:lnRef idx="2">
+            <a:schemeClr val="accent1">
+              <a:shade val="50000"/>
+            </a:schemeClr>
+          </a:lnRef>
+          <a:fillRef idx="1">
+            <a:schemeClr val="accent1"/>
+          </a:fillRef>
+          <a:effectRef idx="0">
+            <a:schemeClr val="accent1"/>
+          </a:effectRef>
+          <a:fontRef idx="minor">
+            <a:schemeClr val="lt1"/>
+          </a:fontRef>
+        </p:style>
+        <p:txBody>
+          <a:bodyPr rtlCol="0" anchor="ctr"/>
+          <a:lstStyle/>
+          <a:p>
+            <a:pPr algn="ctr"/>
+            <a:endParaRPr lang="en-US" dirty="0">
+              <a:solidFill>
+                <a:schemeClr val="bg1"/>
+              </a:solidFill>
+            </a:endParaRPr>
+          </a:p>
+        </p:txBody>
+      </p:sp>
+      <p:sp>
+        <p:nvSpPr>
+          <p:cNvPr id="2" name="Title 1">
+            <a:extLst>
+              <a:ext uri="{FF2B5EF4-FFF2-40B4-BE49-F238E27FC236}">
+                <a16:creationId xmlns:a16="http://schemas.microsoft.com/office/drawing/2014/main" id="{62FEE2AB-0341-344F-8F5E-1DF0C68F761C}"/>
+              </a:ext>
+            </a:extLst>
+          </p:cNvPr>
+          <p:cNvSpPr>
+            <a:spLocks noGrp="1"/>
+          </p:cNvSpPr>
+          <p:nvPr>
+            <p:ph type="title"/>
+          </p:nvPr>
+        </p:nvSpPr>
+        <p:spPr>
+          <a:xfrm>
+            <a:off x="1014141" y="1450655"/>
+            <a:ext cx="3932030" cy="3956690"/>
+          </a:xfrm>
+        </p:spPr>
+        <p:txBody>
+          <a:bodyPr anchor="ctr">
+            <a:normAutofit/>
+          </a:bodyPr>
+          <a:lstStyle/>
+          <a:p>
+            <a:r>
+              <a:rPr lang="en-US" sz="8000" dirty="0">
+                <a:solidFill>
+                  <a:schemeClr val="bg1"/>
+                </a:solidFill>
+              </a:rPr>
+              <a:t>Models</a:t>
+            </a:r>
+          </a:p>
+        </p:txBody>
+      </p:sp>
+      <p:cxnSp>
+        <p:nvCxnSpPr>
+          <p:cNvPr id="10" name="Straight Connector 9">
+            <a:extLst>
+              <a:ext uri="{FF2B5EF4-FFF2-40B4-BE49-F238E27FC236}">
+                <a16:creationId xmlns:a16="http://schemas.microsoft.com/office/drawing/2014/main" id="{067633D1-6EE6-4118-B9F0-B363477BEE7A}"/>
+              </a:ext>
+              <a:ext uri="{C183D7F6-B498-43B3-948B-1728B52AA6E4}">
+                <adec:decorative xmlns:adec="http://schemas.microsoft.com/office/drawing/2017/decorative" val="1"/>
+              </a:ext>
+            </a:extLst>
+          </p:cNvPr>
+          <p:cNvCxnSpPr>
+            <a:cxnSpLocks noGrp="1" noRot="1" noChangeAspect="1" noMove="1" noResize="1" noEditPoints="1" noAdjustHandles="1" noChangeArrowheads="1" noChangeShapeType="1"/>
+          </p:cNvCxnSpPr>
+          <p:nvPr>
+            <p:extLst>
+              <p:ext uri="{386F3935-93C4-4BCD-93E2-E3B085C9AB24}">
+                <p16:designElem xmlns:p16="http://schemas.microsoft.com/office/powerpoint/2015/main" val="1"/>
+              </p:ext>
+            </p:extLst>
+          </p:nvPr>
+        </p:nvCxnSpPr>
+        <p:spPr>
+          <a:xfrm flipH="1">
+            <a:off x="1014141" y="1450655"/>
+            <a:ext cx="3932030" cy="0"/>
+          </a:xfrm>
+          <a:prstGeom prst="line">
+            <a:avLst/>
+          </a:prstGeom>
+          <a:ln w="12700">
+            <a:solidFill>
+              <a:schemeClr val="accent2"/>
+            </a:solidFill>
+          </a:ln>
+        </p:spPr>
+        <p:style>
+          <a:lnRef idx="1">
+            <a:schemeClr val="accent1"/>
+          </a:lnRef>
+          <a:fillRef idx="0">
+            <a:schemeClr val="accent1"/>
+          </a:fillRef>
+          <a:effectRef idx="0">
+            <a:schemeClr val="accent1"/>
+          </a:effectRef>
+          <a:fontRef idx="minor">
+            <a:schemeClr val="tx1"/>
+          </a:fontRef>
+        </p:style>
+      </p:cxnSp>
+      <p:cxnSp>
+        <p:nvCxnSpPr>
+          <p:cNvPr id="12" name="Straight Connector 11">
+            <a:extLst>
+              <a:ext uri="{FF2B5EF4-FFF2-40B4-BE49-F238E27FC236}">
+                <a16:creationId xmlns:a16="http://schemas.microsoft.com/office/drawing/2014/main" id="{4AD7FFC6-42A9-49CB-B5E9-B3F6B038331B}"/>
+              </a:ext>
+              <a:ext uri="{C183D7F6-B498-43B3-948B-1728B52AA6E4}">
+                <adec:decorative xmlns:adec="http://schemas.microsoft.com/office/drawing/2017/decorative" val="1"/>
+              </a:ext>
+            </a:extLst>
+          </p:cNvPr>
+          <p:cNvCxnSpPr>
+            <a:cxnSpLocks noGrp="1" noRot="1" noChangeAspect="1" noMove="1" noResize="1" noEditPoints="1" noAdjustHandles="1" noChangeArrowheads="1" noChangeShapeType="1"/>
+          </p:cNvCxnSpPr>
+          <p:nvPr>
+            <p:extLst>
+              <p:ext uri="{386F3935-93C4-4BCD-93E2-E3B085C9AB24}">
+                <p16:designElem xmlns:p16="http://schemas.microsoft.com/office/powerpoint/2015/main" val="1"/>
+              </p:ext>
+            </p:extLst>
+          </p:nvPr>
+        </p:nvCxnSpPr>
+        <p:spPr>
+          <a:xfrm flipH="1">
+            <a:off x="1014141" y="5408571"/>
+            <a:ext cx="3932030" cy="0"/>
+          </a:xfrm>
+          <a:prstGeom prst="line">
+            <a:avLst/>
+          </a:prstGeom>
+          <a:ln w="12700">
+            <a:solidFill>
+              <a:schemeClr val="accent2"/>
+            </a:solidFill>
+          </a:ln>
+        </p:spPr>
+        <p:style>
+          <a:lnRef idx="1">
+            <a:schemeClr val="accent1"/>
+          </a:lnRef>
+          <a:fillRef idx="0">
+            <a:schemeClr val="accent1"/>
+          </a:fillRef>
+          <a:effectRef idx="0">
+            <a:schemeClr val="accent1"/>
+          </a:effectRef>
+          <a:fontRef idx="minor">
+            <a:schemeClr val="tx1"/>
+          </a:fontRef>
+        </p:style>
+      </p:cxnSp>
+      <p:sp>
+        <p:nvSpPr>
+          <p:cNvPr id="3" name="Content Placeholder 2">
+            <a:extLst>
+              <a:ext uri="{FF2B5EF4-FFF2-40B4-BE49-F238E27FC236}">
+                <a16:creationId xmlns:a16="http://schemas.microsoft.com/office/drawing/2014/main" id="{23EB234D-A00B-5341-A0FB-3B9ACE971D11}"/>
+              </a:ext>
+            </a:extLst>
+          </p:cNvPr>
+          <p:cNvSpPr>
+            <a:spLocks noGrp="1"/>
+          </p:cNvSpPr>
+          <p:nvPr>
+            <p:ph idx="1"/>
+          </p:nvPr>
+        </p:nvSpPr>
+        <p:spPr>
+          <a:xfrm>
+            <a:off x="6096000" y="1108061"/>
+            <a:ext cx="5008901" cy="4571972"/>
+          </a:xfrm>
+        </p:spPr>
+        <p:txBody>
+          <a:bodyPr anchor="ctr">
+            <a:normAutofit/>
+          </a:bodyPr>
+          <a:lstStyle/>
+          <a:p>
+            <a:r>
+              <a:rPr lang="en-US" sz="2000" dirty="0">
+                <a:solidFill>
+                  <a:schemeClr val="bg1"/>
+                </a:solidFill>
+              </a:rPr>
+              <a:t>Training  Split</a:t>
+            </a:r>
+          </a:p>
+          <a:p>
+            <a:r>
+              <a:rPr lang="en-US" sz="2000" dirty="0">
+                <a:solidFill>
+                  <a:schemeClr val="bg1"/>
+                </a:solidFill>
+              </a:rPr>
+              <a:t>Algorithms</a:t>
+            </a:r>
+          </a:p>
+          <a:p>
+            <a:r>
+              <a:rPr lang="en-US" sz="2000" dirty="0">
+                <a:solidFill>
+                  <a:schemeClr val="bg1"/>
+                </a:solidFill>
+              </a:rPr>
+              <a:t>Accuracy</a:t>
+            </a:r>
+          </a:p>
+          <a:p>
+            <a:r>
+              <a:rPr lang="en-US" sz="2000" dirty="0">
+                <a:solidFill>
+                  <a:schemeClr val="bg1"/>
+                </a:solidFill>
+              </a:rPr>
+              <a:t>Prediction</a:t>
+            </a:r>
+          </a:p>
+        </p:txBody>
+      </p:sp>
+    </p:spTree>
+    <p:extLst>
+      <p:ext uri="{BB962C8B-B14F-4D97-AF65-F5344CB8AC3E}">
+        <p14:creationId xmlns:p14="http://schemas.microsoft.com/office/powerpoint/2010/main" val="2586939490"/>
+      </p:ext>
+    </p:extLst>
+  </p:cSld>
+  <p:clrMapOvr>
+    <a:masterClrMapping/>
+  </p:clrMapOvr>
+</p:sld>
+</file>
+
+<file path=ppt/slides/slide5.xml><?xml version="1.0" encoding="utf-8"?>
+<p:sld xmlns:a="http://schemas.openxmlformats.org/drawingml/2006/main" xmlns:r="http://schemas.openxmlformats.org/officeDocument/2006/relationships" xmlns:p="http://schemas.openxmlformats.org/presentationml/2006/main">
+  <p:cSld>
+    <p:bg>
+      <p:bgPr>
+        <a:solidFill>
+          <a:schemeClr val="bg1"/>
+        </a:solidFill>
+        <a:effectLst/>
+      </p:bgPr>
+    </p:bg>
+    <p:spTree>
+      <p:nvGrpSpPr>
+        <p:cNvPr id="1" name=""/>
+        <p:cNvGrpSpPr/>
+        <p:nvPr/>
+      </p:nvGrpSpPr>
+      <p:grpSpPr>
+        <a:xfrm>
+          <a:off x="0" y="0"/>
+          <a:ext cx="0" cy="0"/>
+          <a:chOff x="0" y="0"/>
+          <a:chExt cx="0" cy="0"/>
+        </a:xfrm>
+      </p:grpSpPr>
+      <p:sp>
+        <p:nvSpPr>
+          <p:cNvPr id="8" name="Rectangle 7">
+            <a:extLst>
+              <a:ext uri="{FF2B5EF4-FFF2-40B4-BE49-F238E27FC236}">
+                <a16:creationId xmlns:a16="http://schemas.microsoft.com/office/drawing/2014/main" id="{E8A8EAB8-D2FF-444D-B34B-7D32F106AD0E}"/>
+              </a:ext>
+              <a:ext uri="{C183D7F6-B498-43B3-948B-1728B52AA6E4}">
+                <adec:decorative xmlns:adec="http://schemas.microsoft.com/office/drawing/2017/decorative" val="1"/>
+              </a:ext>
+            </a:extLst>
+          </p:cNvPr>
+          <p:cNvSpPr>
+            <a:spLocks noGrp="1" noRot="1" noChangeAspect="1" noMove="1" noResize="1" noEditPoints="1" noAdjustHandles="1" noChangeArrowheads="1" noChangeShapeType="1" noTextEdit="1"/>
+          </p:cNvSpPr>
+          <p:nvPr>
+            <p:extLst>
+              <p:ext uri="{386F3935-93C4-4BCD-93E2-E3B085C9AB24}">
+                <p16:designElem xmlns:p16="http://schemas.microsoft.com/office/powerpoint/2015/main" val="1"/>
+              </p:ext>
+            </p:extLst>
+          </p:nvPr>
+        </p:nvSpPr>
+        <p:spPr>
+          <a:xfrm>
+            <a:off x="0" y="0"/>
+            <a:ext cx="12192000" cy="6858000"/>
+          </a:xfrm>
+          <a:prstGeom prst="rect">
+            <a:avLst/>
+          </a:prstGeom>
+          <a:solidFill>
+            <a:schemeClr val="tx1">
+              <a:lumMod val="95000"/>
+              <a:lumOff val="5000"/>
+            </a:schemeClr>
+          </a:solidFill>
+          <a:ln>
+            <a:noFill/>
+          </a:ln>
+        </p:spPr>
+        <p:style>
+          <a:lnRef idx="2">
+            <a:schemeClr val="accent1">
+              <a:shade val="50000"/>
+            </a:schemeClr>
+          </a:lnRef>
+          <a:fillRef idx="1">
+            <a:schemeClr val="accent1"/>
+          </a:fillRef>
+          <a:effectRef idx="0">
+            <a:schemeClr val="accent1"/>
+          </a:effectRef>
+          <a:fontRef idx="minor">
+            <a:schemeClr val="lt1"/>
+          </a:fontRef>
+        </p:style>
+        <p:txBody>
+          <a:bodyPr rtlCol="0" anchor="ctr"/>
+          <a:lstStyle/>
+          <a:p>
+            <a:pPr algn="ctr"/>
+            <a:endParaRPr lang="en-US" dirty="0">
+              <a:solidFill>
+                <a:schemeClr val="bg1"/>
+              </a:solidFill>
+            </a:endParaRPr>
+          </a:p>
+        </p:txBody>
+      </p:sp>
+      <p:sp>
+        <p:nvSpPr>
+          <p:cNvPr id="2" name="Title 1">
+            <a:extLst>
+              <a:ext uri="{FF2B5EF4-FFF2-40B4-BE49-F238E27FC236}">
+                <a16:creationId xmlns:a16="http://schemas.microsoft.com/office/drawing/2014/main" id="{9E149972-8A6E-AF48-AB02-358F3E2471CD}"/>
+              </a:ext>
+            </a:extLst>
+          </p:cNvPr>
+          <p:cNvSpPr>
+            <a:spLocks noGrp="1"/>
+          </p:cNvSpPr>
+          <p:nvPr>
+            <p:ph type="title"/>
+          </p:nvPr>
+        </p:nvSpPr>
+        <p:spPr>
+          <a:xfrm>
+            <a:off x="1014141" y="1450655"/>
+            <a:ext cx="3932030" cy="3956690"/>
+          </a:xfrm>
+        </p:spPr>
+        <p:txBody>
+          <a:bodyPr anchor="ctr">
+            <a:normAutofit/>
+          </a:bodyPr>
+          <a:lstStyle/>
+          <a:p>
+            <a:r>
+              <a:rPr lang="en-US" sz="6200">
+                <a:solidFill>
+                  <a:schemeClr val="bg1"/>
+                </a:solidFill>
+              </a:rPr>
+              <a:t>Application</a:t>
+            </a:r>
+          </a:p>
+        </p:txBody>
+      </p:sp>
+      <p:cxnSp>
+        <p:nvCxnSpPr>
+          <p:cNvPr id="10" name="Straight Connector 9">
+            <a:extLst>
+              <a:ext uri="{FF2B5EF4-FFF2-40B4-BE49-F238E27FC236}">
+                <a16:creationId xmlns:a16="http://schemas.microsoft.com/office/drawing/2014/main" id="{067633D1-6EE6-4118-B9F0-B363477BEE7A}"/>
+              </a:ext>
+              <a:ext uri="{C183D7F6-B498-43B3-948B-1728B52AA6E4}">
+                <adec:decorative xmlns:adec="http://schemas.microsoft.com/office/drawing/2017/decorative" val="1"/>
+              </a:ext>
+            </a:extLst>
+          </p:cNvPr>
+          <p:cNvCxnSpPr>
+            <a:cxnSpLocks noGrp="1" noRot="1" noChangeAspect="1" noMove="1" noResize="1" noEditPoints="1" noAdjustHandles="1" noChangeArrowheads="1" noChangeShapeType="1"/>
+          </p:cNvCxnSpPr>
+          <p:nvPr>
+            <p:extLst>
+              <p:ext uri="{386F3935-93C4-4BCD-93E2-E3B085C9AB24}">
+                <p16:designElem xmlns:p16="http://schemas.microsoft.com/office/powerpoint/2015/main" val="1"/>
+              </p:ext>
+            </p:extLst>
+          </p:nvPr>
+        </p:nvCxnSpPr>
+        <p:spPr>
+          <a:xfrm flipH="1">
+            <a:off x="1014141" y="1450655"/>
+            <a:ext cx="3932030" cy="0"/>
+          </a:xfrm>
+          <a:prstGeom prst="line">
+            <a:avLst/>
+          </a:prstGeom>
+          <a:ln w="12700">
+            <a:solidFill>
+              <a:schemeClr val="accent2"/>
+            </a:solidFill>
+          </a:ln>
+        </p:spPr>
+        <p:style>
+          <a:lnRef idx="1">
+            <a:schemeClr val="accent1"/>
+          </a:lnRef>
+          <a:fillRef idx="0">
+            <a:schemeClr val="accent1"/>
+          </a:fillRef>
+          <a:effectRef idx="0">
+            <a:schemeClr val="accent1"/>
+          </a:effectRef>
+          <a:fontRef idx="minor">
+            <a:schemeClr val="tx1"/>
+          </a:fontRef>
+        </p:style>
+      </p:cxnSp>
+      <p:cxnSp>
+        <p:nvCxnSpPr>
+          <p:cNvPr id="12" name="Straight Connector 11">
+            <a:extLst>
+              <a:ext uri="{FF2B5EF4-FFF2-40B4-BE49-F238E27FC236}">
+                <a16:creationId xmlns:a16="http://schemas.microsoft.com/office/drawing/2014/main" id="{4AD7FFC6-42A9-49CB-B5E9-B3F6B038331B}"/>
+              </a:ext>
+              <a:ext uri="{C183D7F6-B498-43B3-948B-1728B52AA6E4}">
+                <adec:decorative xmlns:adec="http://schemas.microsoft.com/office/drawing/2017/decorative" val="1"/>
+              </a:ext>
+            </a:extLst>
+          </p:cNvPr>
+          <p:cNvCxnSpPr>
+            <a:cxnSpLocks noGrp="1" noRot="1" noChangeAspect="1" noMove="1" noResize="1" noEditPoints="1" noAdjustHandles="1" noChangeArrowheads="1" noChangeShapeType="1"/>
+          </p:cNvCxnSpPr>
+          <p:nvPr>
+            <p:extLst>
+              <p:ext uri="{386F3935-93C4-4BCD-93E2-E3B085C9AB24}">
+                <p16:designElem xmlns:p16="http://schemas.microsoft.com/office/powerpoint/2015/main" val="1"/>
+              </p:ext>
+            </p:extLst>
+          </p:nvPr>
+        </p:nvCxnSpPr>
+        <p:spPr>
+          <a:xfrm flipH="1">
+            <a:off x="1014141" y="5408571"/>
+            <a:ext cx="3932030" cy="0"/>
+          </a:xfrm>
+          <a:prstGeom prst="line">
+            <a:avLst/>
+          </a:prstGeom>
+          <a:ln w="12700">
+            <a:solidFill>
+              <a:schemeClr val="accent2"/>
+            </a:solidFill>
+          </a:ln>
+        </p:spPr>
+        <p:style>
+          <a:lnRef idx="1">
+            <a:schemeClr val="accent1"/>
+          </a:lnRef>
+          <a:fillRef idx="0">
+            <a:schemeClr val="accent1"/>
+          </a:fillRef>
+          <a:effectRef idx="0">
+            <a:schemeClr val="accent1"/>
+          </a:effectRef>
+          <a:fontRef idx="minor">
+            <a:schemeClr val="tx1"/>
+          </a:fontRef>
+        </p:style>
+      </p:cxnSp>
+      <p:sp>
+        <p:nvSpPr>
+          <p:cNvPr id="3" name="Content Placeholder 2">
+            <a:extLst>
+              <a:ext uri="{FF2B5EF4-FFF2-40B4-BE49-F238E27FC236}">
+                <a16:creationId xmlns:a16="http://schemas.microsoft.com/office/drawing/2014/main" id="{58FEB7C4-1C49-7643-8C6A-C700FAC19E93}"/>
+              </a:ext>
+            </a:extLst>
+          </p:cNvPr>
+          <p:cNvSpPr>
+            <a:spLocks noGrp="1"/>
+          </p:cNvSpPr>
+          <p:nvPr>
+            <p:ph idx="1"/>
+          </p:nvPr>
+        </p:nvSpPr>
+        <p:spPr>
+          <a:xfrm>
+            <a:off x="6096000" y="1108061"/>
+            <a:ext cx="5008901" cy="4571972"/>
+          </a:xfrm>
+        </p:spPr>
+        <p:txBody>
+          <a:bodyPr anchor="ctr">
+            <a:normAutofit/>
+          </a:bodyPr>
+          <a:lstStyle/>
+          <a:p>
+            <a:r>
+              <a:rPr lang="en-US" sz="2000" dirty="0">
+                <a:solidFill>
+                  <a:schemeClr val="bg1"/>
+                </a:solidFill>
+              </a:rPr>
+              <a:t>Training (includes preprocessing and building the model)</a:t>
+            </a:r>
+          </a:p>
+          <a:p>
+            <a:r>
+              <a:rPr lang="en-US" sz="2000" dirty="0">
+                <a:solidFill>
+                  <a:schemeClr val="bg1"/>
+                </a:solidFill>
+              </a:rPr>
+              <a:t>Summary of the Statistics</a:t>
+            </a:r>
+          </a:p>
+          <a:p>
+            <a:r>
+              <a:rPr lang="en-US" sz="2000" dirty="0">
+                <a:solidFill>
+                  <a:schemeClr val="bg1"/>
+                </a:solidFill>
+              </a:rPr>
+              <a:t>Graphs (Histograms, Correlation Matrix)</a:t>
+            </a:r>
+          </a:p>
+          <a:p>
+            <a:r>
+              <a:rPr lang="en-US" sz="2000" dirty="0">
+                <a:solidFill>
+                  <a:schemeClr val="bg1"/>
+                </a:solidFill>
+              </a:rPr>
+              <a:t>Geo Maps (Plotted datapoints)</a:t>
+            </a:r>
+          </a:p>
+          <a:p>
+            <a:r>
+              <a:rPr lang="en-US" sz="2000" dirty="0">
+                <a:solidFill>
+                  <a:schemeClr val="bg1"/>
+                </a:solidFill>
+              </a:rPr>
+              <a:t>Clustered Geo Maps</a:t>
+            </a:r>
+          </a:p>
+          <a:p>
+            <a:r>
+              <a:rPr lang="en-US" sz="2000" dirty="0">
+                <a:solidFill>
+                  <a:schemeClr val="bg1"/>
+                </a:solidFill>
+              </a:rPr>
+              <a:t>Prediction of Severity of Accident</a:t>
+            </a:r>
+          </a:p>
+        </p:txBody>
+      </p:sp>
+    </p:spTree>
+    <p:extLst>
+      <p:ext uri="{BB962C8B-B14F-4D97-AF65-F5344CB8AC3E}">
+        <p14:creationId xmlns:p14="http://schemas.microsoft.com/office/powerpoint/2010/main" val="643614984"/>
+      </p:ext>
+    </p:extLst>
+  </p:cSld>
+  <p:clrMapOvr>
+    <a:masterClrMapping/>
+  </p:clrMapOvr>
+</p:sld>
+</file>
+
+<file path=ppt/slides/slide6.xml><?xml version="1.0" encoding="utf-8"?>
+<p:sld xmlns:a="http://schemas.openxmlformats.org/drawingml/2006/main" xmlns:r="http://schemas.openxmlformats.org/officeDocument/2006/relationships" xmlns:p="http://schemas.openxmlformats.org/presentationml/2006/main">
+  <p:cSld>
+    <p:bg>
+      <p:bgPr>
+        <a:solidFill>
+          <a:schemeClr val="bg1"/>
+        </a:solidFill>
+        <a:effectLst/>
+      </p:bgPr>
+    </p:bg>
+    <p:spTree>
+      <p:nvGrpSpPr>
+        <p:cNvPr id="1" name=""/>
+        <p:cNvGrpSpPr/>
+        <p:nvPr/>
+      </p:nvGrpSpPr>
+      <p:grpSpPr>
+        <a:xfrm>
+          <a:off x="0" y="0"/>
+          <a:ext cx="0" cy="0"/>
+          <a:chOff x="0" y="0"/>
+          <a:chExt cx="0" cy="0"/>
+        </a:xfrm>
+      </p:grpSpPr>
+      <p:sp>
+        <p:nvSpPr>
+          <p:cNvPr id="8" name="Rectangle 7">
+            <a:extLst>
+              <a:ext uri="{FF2B5EF4-FFF2-40B4-BE49-F238E27FC236}">
+                <a16:creationId xmlns:a16="http://schemas.microsoft.com/office/drawing/2014/main" id="{E8A8EAB8-D2FF-444D-B34B-7D32F106AD0E}"/>
+              </a:ext>
+              <a:ext uri="{C183D7F6-B498-43B3-948B-1728B52AA6E4}">
+                <adec:decorative xmlns:adec="http://schemas.microsoft.com/office/drawing/2017/decorative" val="1"/>
+              </a:ext>
+            </a:extLst>
+          </p:cNvPr>
+          <p:cNvSpPr>
+            <a:spLocks noGrp="1" noRot="1" noChangeAspect="1" noMove="1" noResize="1" noEditPoints="1" noAdjustHandles="1" noChangeArrowheads="1" noChangeShapeType="1" noTextEdit="1"/>
+          </p:cNvSpPr>
+          <p:nvPr>
+            <p:extLst>
+              <p:ext uri="{386F3935-93C4-4BCD-93E2-E3B085C9AB24}">
+                <p16:designElem xmlns:p16="http://schemas.microsoft.com/office/powerpoint/2015/main" val="1"/>
+              </p:ext>
+            </p:extLst>
+          </p:nvPr>
+        </p:nvSpPr>
+        <p:spPr>
+          <a:xfrm>
+            <a:off x="0" y="0"/>
+            <a:ext cx="12192000" cy="6858000"/>
+          </a:xfrm>
+          <a:prstGeom prst="rect">
+            <a:avLst/>
+          </a:prstGeom>
+          <a:solidFill>
+            <a:schemeClr val="tx1">
+              <a:lumMod val="95000"/>
+              <a:lumOff val="5000"/>
+            </a:schemeClr>
+          </a:solidFill>
+          <a:ln>
+            <a:noFill/>
+          </a:ln>
+        </p:spPr>
+        <p:style>
+          <a:lnRef idx="2">
+            <a:schemeClr val="accent1">
+              <a:shade val="50000"/>
+            </a:schemeClr>
+          </a:lnRef>
+          <a:fillRef idx="1">
+            <a:schemeClr val="accent1"/>
+          </a:fillRef>
+          <a:effectRef idx="0">
+            <a:schemeClr val="accent1"/>
+          </a:effectRef>
+          <a:fontRef idx="minor">
+            <a:schemeClr val="lt1"/>
+          </a:fontRef>
+        </p:style>
+        <p:txBody>
+          <a:bodyPr rtlCol="0" anchor="ctr"/>
+          <a:lstStyle/>
+          <a:p>
+            <a:pPr algn="ctr"/>
+            <a:endParaRPr lang="en-US" dirty="0">
+              <a:solidFill>
+                <a:schemeClr val="bg1"/>
+              </a:solidFill>
+            </a:endParaRPr>
+          </a:p>
+        </p:txBody>
+      </p:sp>
+      <p:sp>
+        <p:nvSpPr>
+          <p:cNvPr id="2" name="Title 1">
+            <a:extLst>
+              <a:ext uri="{FF2B5EF4-FFF2-40B4-BE49-F238E27FC236}">
+                <a16:creationId xmlns:a16="http://schemas.microsoft.com/office/drawing/2014/main" id="{DB5F80E4-79D8-0947-A447-E67BE26BE0E2}"/>
+              </a:ext>
+            </a:extLst>
+          </p:cNvPr>
+          <p:cNvSpPr>
+            <a:spLocks noGrp="1"/>
+          </p:cNvSpPr>
+          <p:nvPr>
+            <p:ph type="title"/>
+          </p:nvPr>
+        </p:nvSpPr>
+        <p:spPr>
+          <a:xfrm>
+            <a:off x="1014141" y="1450655"/>
+            <a:ext cx="3932030" cy="3956690"/>
+          </a:xfrm>
+        </p:spPr>
+        <p:txBody>
+          <a:bodyPr anchor="ctr">
+            <a:normAutofit/>
+          </a:bodyPr>
+          <a:lstStyle/>
+          <a:p>
+            <a:r>
+              <a:rPr lang="en-US" sz="8000">
+                <a:solidFill>
+                  <a:schemeClr val="bg1"/>
+                </a:solidFill>
+              </a:rPr>
+              <a:t>Demo</a:t>
+            </a:r>
+            <a:br>
+              <a:rPr lang="en-US" sz="8000">
+                <a:solidFill>
+                  <a:schemeClr val="bg1"/>
+                </a:solidFill>
+              </a:rPr>
+            </a:br>
+            <a:endParaRPr lang="en-US" sz="8000">
+              <a:solidFill>
+                <a:schemeClr val="bg1"/>
+              </a:solidFill>
+            </a:endParaRPr>
+          </a:p>
+        </p:txBody>
+      </p:sp>
+      <p:cxnSp>
+        <p:nvCxnSpPr>
+          <p:cNvPr id="10" name="Straight Connector 9">
+            <a:extLst>
+              <a:ext uri="{FF2B5EF4-FFF2-40B4-BE49-F238E27FC236}">
+                <a16:creationId xmlns:a16="http://schemas.microsoft.com/office/drawing/2014/main" id="{067633D1-6EE6-4118-B9F0-B363477BEE7A}"/>
+              </a:ext>
+              <a:ext uri="{C183D7F6-B498-43B3-948B-1728B52AA6E4}">
+                <adec:decorative xmlns:adec="http://schemas.microsoft.com/office/drawing/2017/decorative" val="1"/>
+              </a:ext>
+            </a:extLst>
+          </p:cNvPr>
+          <p:cNvCxnSpPr>
+            <a:cxnSpLocks noGrp="1" noRot="1" noChangeAspect="1" noMove="1" noResize="1" noEditPoints="1" noAdjustHandles="1" noChangeArrowheads="1" noChangeShapeType="1"/>
+          </p:cNvCxnSpPr>
+          <p:nvPr>
+            <p:extLst>
+              <p:ext uri="{386F3935-93C4-4BCD-93E2-E3B085C9AB24}">
+                <p16:designElem xmlns:p16="http://schemas.microsoft.com/office/powerpoint/2015/main" val="1"/>
+              </p:ext>
+            </p:extLst>
+          </p:nvPr>
+        </p:nvCxnSpPr>
+        <p:spPr>
+          <a:xfrm flipH="1">
+            <a:off x="1014141" y="1450655"/>
+            <a:ext cx="3932030" cy="0"/>
+          </a:xfrm>
+          <a:prstGeom prst="line">
+            <a:avLst/>
+          </a:prstGeom>
+          <a:ln w="12700">
+            <a:solidFill>
+              <a:schemeClr val="accent2"/>
+            </a:solidFill>
+          </a:ln>
+        </p:spPr>
+        <p:style>
+          <a:lnRef idx="1">
+            <a:schemeClr val="accent1"/>
+          </a:lnRef>
+          <a:fillRef idx="0">
+            <a:schemeClr val="accent1"/>
+          </a:fillRef>
+          <a:effectRef idx="0">
+            <a:schemeClr val="accent1"/>
+          </a:effectRef>
+          <a:fontRef idx="minor">
+            <a:schemeClr val="tx1"/>
+          </a:fontRef>
+        </p:style>
+      </p:cxnSp>
+      <p:cxnSp>
+        <p:nvCxnSpPr>
+          <p:cNvPr id="12" name="Straight Connector 11">
+            <a:extLst>
+              <a:ext uri="{FF2B5EF4-FFF2-40B4-BE49-F238E27FC236}">
+                <a16:creationId xmlns:a16="http://schemas.microsoft.com/office/drawing/2014/main" id="{4AD7FFC6-42A9-49CB-B5E9-B3F6B038331B}"/>
+              </a:ext>
+              <a:ext uri="{C183D7F6-B498-43B3-948B-1728B52AA6E4}">
+                <adec:decorative xmlns:adec="http://schemas.microsoft.com/office/drawing/2017/decorative" val="1"/>
+              </a:ext>
+            </a:extLst>
+          </p:cNvPr>
+          <p:cNvCxnSpPr>
+            <a:cxnSpLocks noGrp="1" noRot="1" noChangeAspect="1" noMove="1" noResize="1" noEditPoints="1" noAdjustHandles="1" noChangeArrowheads="1" noChangeShapeType="1"/>
+          </p:cNvCxnSpPr>
+          <p:nvPr>
+            <p:extLst>
+              <p:ext uri="{386F3935-93C4-4BCD-93E2-E3B085C9AB24}">
+                <p16:designElem xmlns:p16="http://schemas.microsoft.com/office/powerpoint/2015/main" val="1"/>
+              </p:ext>
+            </p:extLst>
+          </p:nvPr>
+        </p:nvCxnSpPr>
+        <p:spPr>
+          <a:xfrm flipH="1">
+            <a:off x="1014141" y="5408571"/>
+            <a:ext cx="3932030" cy="0"/>
+          </a:xfrm>
+          <a:prstGeom prst="line">
+            <a:avLst/>
+          </a:prstGeom>
+          <a:ln w="12700">
+            <a:solidFill>
+              <a:schemeClr val="accent2"/>
+            </a:solidFill>
+          </a:ln>
+        </p:spPr>
+        <p:style>
+          <a:lnRef idx="1">
+            <a:schemeClr val="accent1"/>
+          </a:lnRef>
+          <a:fillRef idx="0">
+            <a:schemeClr val="accent1"/>
+          </a:fillRef>
+          <a:effectRef idx="0">
+            <a:schemeClr val="accent1"/>
+          </a:effectRef>
+          <a:fontRef idx="minor">
+            <a:schemeClr val="tx1"/>
+          </a:fontRef>
+        </p:style>
+      </p:cxnSp>
+      <p:sp>
+        <p:nvSpPr>
+          <p:cNvPr id="3" name="Content Placeholder 2">
+            <a:extLst>
+              <a:ext uri="{FF2B5EF4-FFF2-40B4-BE49-F238E27FC236}">
+                <a16:creationId xmlns:a16="http://schemas.microsoft.com/office/drawing/2014/main" id="{FEFFF485-62A6-A549-A76A-D9FC9EE63AFF}"/>
+              </a:ext>
+            </a:extLst>
+          </p:cNvPr>
+          <p:cNvSpPr>
+            <a:spLocks noGrp="1"/>
+          </p:cNvSpPr>
+          <p:nvPr>
+            <p:ph idx="1"/>
+          </p:nvPr>
+        </p:nvSpPr>
+        <p:spPr>
+          <a:xfrm>
+            <a:off x="6096000" y="1108061"/>
+            <a:ext cx="5008901" cy="4571972"/>
+          </a:xfrm>
+        </p:spPr>
+        <p:txBody>
+          <a:bodyPr anchor="ctr">
+            <a:normAutofit/>
+          </a:bodyPr>
+          <a:lstStyle/>
+          <a:p>
+            <a:endParaRPr lang="en-US" sz="2000">
+              <a:solidFill>
+                <a:schemeClr val="bg1"/>
+              </a:solidFill>
+            </a:endParaRPr>
+          </a:p>
+        </p:txBody>
+      </p:sp>
+    </p:spTree>
+    <p:extLst>
+      <p:ext uri="{BB962C8B-B14F-4D97-AF65-F5344CB8AC3E}">
+        <p14:creationId xmlns:p14="http://schemas.microsoft.com/office/powerpoint/2010/main" val="533683912"/>
       </p:ext>
     </p:extLst>
   </p:cSld>
@@ -3683,4 +6395,299 @@
     </a:ext>
   </a:extLst>
 </a:theme>
+</file>
+
+<file path=ppt/theme/theme2.xml><?xml version="1.0" encoding="utf-8"?>
+<a:theme xmlns:a="http://schemas.openxmlformats.org/drawingml/2006/main" name="Office Theme">
+  <a:themeElements>
+    <a:clrScheme name="Office">
+      <a:dk1>
+        <a:sysClr val="windowText" lastClr="000000"/>
+      </a:dk1>
+      <a:lt1>
+        <a:sysClr val="window" lastClr="FFFFFF"/>
+      </a:lt1>
+      <a:dk2>
+        <a:srgbClr val="44546A"/>
+      </a:dk2>
+      <a:lt2>
+        <a:srgbClr val="E7E6E6"/>
+      </a:lt2>
+      <a:accent1>
+        <a:srgbClr val="4472C4"/>
+      </a:accent1>
+      <a:accent2>
+        <a:srgbClr val="ED7D31"/>
+      </a:accent2>
+      <a:accent3>
+        <a:srgbClr val="A5A5A5"/>
+      </a:accent3>
+      <a:accent4>
+        <a:srgbClr val="FFC000"/>
+      </a:accent4>
+      <a:accent5>
+        <a:srgbClr val="5B9BD5"/>
+      </a:accent5>
+      <a:accent6>
+        <a:srgbClr val="70AD47"/>
+      </a:accent6>
+      <a:hlink>
+        <a:srgbClr val="0563C1"/>
+      </a:hlink>
+      <a:folHlink>
+        <a:srgbClr val="954F72"/>
+      </a:folHlink>
+    </a:clrScheme>
+    <a:fontScheme name="Office">
+      <a:majorFont>
+        <a:latin typeface="Calibri Light" panose="020F0302020204030204"/>
+        <a:ea typeface=""/>
+        <a:cs typeface=""/>
+        <a:font script="Jpan" typeface="游ゴシック Light"/>
+        <a:font script="Hang" typeface="맑은 고딕"/>
+        <a:font script="Hans" typeface="等线 Light"/>
+        <a:font script="Hant" typeface="新細明體"/>
+        <a:font script="Arab" typeface="Times New Roman"/>
+        <a:font script="Hebr" typeface="Times New Roman"/>
+        <a:font script="Thai" typeface="Angsana New"/>
+        <a:font script="Ethi" typeface="Nyala"/>
+        <a:font script="Beng" typeface="Vrinda"/>
+        <a:font script="Gujr" typeface="Shruti"/>
+        <a:font script="Khmr" typeface="MoolBoran"/>
+        <a:font script="Knda" typeface="Tunga"/>
+        <a:font script="Guru" typeface="Raavi"/>
+        <a:font script="Cans" typeface="Euphemia"/>
+        <a:font script="Cher" typeface="Plantagenet Cherokee"/>
+        <a:font script="Yiii" typeface="Microsoft Yi Baiti"/>
+        <a:font script="Tibt" typeface="Microsoft Himalaya"/>
+        <a:font script="Thaa" typeface="MV Boli"/>
+        <a:font script="Deva" typeface="Mangal"/>
+        <a:font script="Telu" typeface="Gautami"/>
+        <a:font script="Taml" typeface="Latha"/>
+        <a:font script="Syrc" typeface="Estrangelo Edessa"/>
+        <a:font script="Orya" typeface="Kalinga"/>
+        <a:font script="Mlym" typeface="Kartika"/>
+        <a:font script="Laoo" typeface="DokChampa"/>
+        <a:font script="Sinh" typeface="Iskoola Pota"/>
+        <a:font script="Mong" typeface="Mongolian Baiti"/>
+        <a:font script="Viet" typeface="Times New Roman"/>
+        <a:font script="Uigh" typeface="Microsoft Uighur"/>
+        <a:font script="Geor" typeface="Sylfaen"/>
+        <a:font script="Armn" typeface="Arial"/>
+        <a:font script="Bugi" typeface="Leelawadee UI"/>
+        <a:font script="Bopo" typeface="Microsoft JhengHei"/>
+        <a:font script="Java" typeface="Javanese Text"/>
+        <a:font script="Lisu" typeface="Segoe UI"/>
+        <a:font script="Mymr" typeface="Myanmar Text"/>
+        <a:font script="Nkoo" typeface="Ebrima"/>
+        <a:font script="Olck" typeface="Nirmala UI"/>
+        <a:font script="Osma" typeface="Ebrima"/>
+        <a:font script="Phag" typeface="Phagspa"/>
+        <a:font script="Syrn" typeface="Estrangelo Edessa"/>
+        <a:font script="Syrj" typeface="Estrangelo Edessa"/>
+        <a:font script="Syre" typeface="Estrangelo Edessa"/>
+        <a:font script="Sora" typeface="Nirmala UI"/>
+        <a:font script="Tale" typeface="Microsoft Tai Le"/>
+        <a:font script="Talu" typeface="Microsoft New Tai Lue"/>
+        <a:font script="Tfng" typeface="Ebrima"/>
+      </a:majorFont>
+      <a:minorFont>
+        <a:latin typeface="Calibri" panose="020F0502020204030204"/>
+        <a:ea typeface=""/>
+        <a:cs typeface=""/>
+        <a:font script="Jpan" typeface="游ゴシック"/>
+        <a:font script="Hang" typeface="맑은 고딕"/>
+        <a:font script="Hans" typeface="等线"/>
+        <a:font script="Hant" typeface="新細明體"/>
+        <a:font script="Arab" typeface="Arial"/>
+        <a:font script="Hebr" typeface="Arial"/>
+        <a:font script="Thai" typeface="Cordia New"/>
+        <a:font script="Ethi" typeface="Nyala"/>
+        <a:font script="Beng" typeface="Vrinda"/>
+        <a:font script="Gujr" typeface="Shruti"/>
+        <a:font script="Khmr" typeface="DaunPenh"/>
+        <a:font script="Knda" typeface="Tunga"/>
+        <a:font script="Guru" typeface="Raavi"/>
+        <a:font script="Cans" typeface="Euphemia"/>
+        <a:font script="Cher" typeface="Plantagenet Cherokee"/>
+        <a:font script="Yiii" typeface="Microsoft Yi Baiti"/>
+        <a:font script="Tibt" typeface="Microsoft Himalaya"/>
+        <a:font script="Thaa" typeface="MV Boli"/>
+        <a:font script="Deva" typeface="Mangal"/>
+        <a:font script="Telu" typeface="Gautami"/>
+        <a:font script="Taml" typeface="Latha"/>
+        <a:font script="Syrc" typeface="Estrangelo Edessa"/>
+        <a:font script="Orya" typeface="Kalinga"/>
+        <a:font script="Mlym" typeface="Kartika"/>
+        <a:font script="Laoo" typeface="DokChampa"/>
+        <a:font script="Sinh" typeface="Iskoola Pota"/>
+        <a:font script="Mong" typeface="Mongolian Baiti"/>
+        <a:font script="Viet" typeface="Arial"/>
+        <a:font script="Uigh" typeface="Microsoft Uighur"/>
+        <a:font script="Geor" typeface="Sylfaen"/>
+        <a:font script="Armn" typeface="Arial"/>
+        <a:font script="Bugi" typeface="Leelawadee UI"/>
+        <a:font script="Bopo" typeface="Microsoft JhengHei"/>
+        <a:font script="Java" typeface="Javanese Text"/>
+        <a:font script="Lisu" typeface="Segoe UI"/>
+        <a:font script="Mymr" typeface="Myanmar Text"/>
+        <a:font script="Nkoo" typeface="Ebrima"/>
+        <a:font script="Olck" typeface="Nirmala UI"/>
+        <a:font script="Osma" typeface="Ebrima"/>
+        <a:font script="Phag" typeface="Phagspa"/>
+        <a:font script="Syrn" typeface="Estrangelo Edessa"/>
+        <a:font script="Syrj" typeface="Estrangelo Edessa"/>
+        <a:font script="Syre" typeface="Estrangelo Edessa"/>
+        <a:font script="Sora" typeface="Nirmala UI"/>
+        <a:font script="Tale" typeface="Microsoft Tai Le"/>
+        <a:font script="Talu" typeface="Microsoft New Tai Lue"/>
+        <a:font script="Tfng" typeface="Ebrima"/>
+      </a:minorFont>
+    </a:fontScheme>
+    <a:fmtScheme name="Office">
+      <a:fillStyleLst>
+        <a:solidFill>
+          <a:schemeClr val="phClr"/>
+        </a:solidFill>
+        <a:gradFill rotWithShape="1">
+          <a:gsLst>
+            <a:gs pos="0">
+              <a:schemeClr val="phClr">
+                <a:lumMod val="110000"/>
+                <a:satMod val="105000"/>
+                <a:tint val="67000"/>
+              </a:schemeClr>
+            </a:gs>
+            <a:gs pos="50000">
+              <a:schemeClr val="phClr">
+                <a:lumMod val="105000"/>
+                <a:satMod val="103000"/>
+                <a:tint val="73000"/>
+              </a:schemeClr>
+            </a:gs>
+            <a:gs pos="100000">
+              <a:schemeClr val="phClr">
+                <a:lumMod val="105000"/>
+                <a:satMod val="109000"/>
+                <a:tint val="81000"/>
+              </a:schemeClr>
+            </a:gs>
+          </a:gsLst>
+          <a:lin ang="5400000" scaled="0"/>
+        </a:gradFill>
+        <a:gradFill rotWithShape="1">
+          <a:gsLst>
+            <a:gs pos="0">
+              <a:schemeClr val="phClr">
+                <a:satMod val="103000"/>
+                <a:lumMod val="102000"/>
+                <a:tint val="94000"/>
+              </a:schemeClr>
+            </a:gs>
+            <a:gs pos="50000">
+              <a:schemeClr val="phClr">
+                <a:satMod val="110000"/>
+                <a:lumMod val="100000"/>
+                <a:shade val="100000"/>
+              </a:schemeClr>
+            </a:gs>
+            <a:gs pos="100000">
+              <a:schemeClr val="phClr">
+                <a:lumMod val="99000"/>
+                <a:satMod val="120000"/>
+                <a:shade val="78000"/>
+              </a:schemeClr>
+            </a:gs>
+          </a:gsLst>
+          <a:lin ang="5400000" scaled="0"/>
+        </a:gradFill>
+      </a:fillStyleLst>
+      <a:lnStyleLst>
+        <a:ln w="6350" cap="flat" cmpd="sng" algn="ctr">
+          <a:solidFill>
+            <a:schemeClr val="phClr"/>
+          </a:solidFill>
+          <a:prstDash val="solid"/>
+          <a:miter lim="800000"/>
+        </a:ln>
+        <a:ln w="12700" cap="flat" cmpd="sng" algn="ctr">
+          <a:solidFill>
+            <a:schemeClr val="phClr"/>
+          </a:solidFill>
+          <a:prstDash val="solid"/>
+          <a:miter lim="800000"/>
+        </a:ln>
+        <a:ln w="19050" cap="flat" cmpd="sng" algn="ctr">
+          <a:solidFill>
+            <a:schemeClr val="phClr"/>
+          </a:solidFill>
+          <a:prstDash val="solid"/>
+          <a:miter lim="800000"/>
+        </a:ln>
+      </a:lnStyleLst>
+      <a:effectStyleLst>
+        <a:effectStyle>
+          <a:effectLst/>
+        </a:effectStyle>
+        <a:effectStyle>
+          <a:effectLst/>
+        </a:effectStyle>
+        <a:effectStyle>
+          <a:effectLst>
+            <a:outerShdw blurRad="57150" dist="19050" dir="5400000" algn="ctr" rotWithShape="0">
+              <a:srgbClr val="000000">
+                <a:alpha val="63000"/>
+              </a:srgbClr>
+            </a:outerShdw>
+          </a:effectLst>
+        </a:effectStyle>
+      </a:effectStyleLst>
+      <a:bgFillStyleLst>
+        <a:solidFill>
+          <a:schemeClr val="phClr"/>
+        </a:solidFill>
+        <a:solidFill>
+          <a:schemeClr val="phClr">
+            <a:tint val="95000"/>
+            <a:satMod val="170000"/>
+          </a:schemeClr>
+        </a:solidFill>
+        <a:gradFill rotWithShape="1">
+          <a:gsLst>
+            <a:gs pos="0">
+              <a:schemeClr val="phClr">
+                <a:tint val="93000"/>
+                <a:satMod val="150000"/>
+                <a:shade val="98000"/>
+                <a:lumMod val="102000"/>
+              </a:schemeClr>
+            </a:gs>
+            <a:gs pos="50000">
+              <a:schemeClr val="phClr">
+                <a:tint val="98000"/>
+                <a:satMod val="130000"/>
+                <a:shade val="90000"/>
+                <a:lumMod val="103000"/>
+              </a:schemeClr>
+            </a:gs>
+            <a:gs pos="100000">
+              <a:schemeClr val="phClr">
+                <a:shade val="63000"/>
+                <a:satMod val="120000"/>
+              </a:schemeClr>
+            </a:gs>
+          </a:gsLst>
+          <a:lin ang="5400000" scaled="0"/>
+        </a:gradFill>
+      </a:bgFillStyleLst>
+    </a:fmtScheme>
+  </a:themeElements>
+  <a:objectDefaults/>
+  <a:extraClrSchemeLst/>
+  <a:extLst>
+    <a:ext uri="{05A4C25C-085E-4340-85A3-A5531E510DB2}">
+      <thm15:themeFamily xmlns:thm15="http://schemas.microsoft.com/office/thememl/2012/main" name="Office Theme" id="{62F939B6-93AF-4DB8-9C6B-D6C7DFDC589F}" vid="{4A3C46E8-61CC-4603-A589-7422A47A8E4A}"/>
+    </a:ext>
+  </a:extLst>
+</a:theme>
 </file>
--- a/Final-Group-Presentation/Sample Final Group Presentation(Sve it as PDF).pptx
+++ b/Final-Group-Presentation/Sample Final Group Presentation(Sve it as PDF).pptx
@@ -202,7 +202,7 @@
           <a:p>
             <a:fld id="{50E52709-5ECC-8044-9942-4C9CF22CCC7F}" type="datetimeFigureOut">
               <a:rPr lang="en-US" smtClean="0"/>
-              <a:t>4/14/20</a:t>
+              <a:t>4/19/20</a:t>
             </a:fld>
             <a:endParaRPr lang="en-US"/>
           </a:p>
@@ -515,7 +515,13 @@
           <a:p>
             <a:r>
               <a:rPr lang="en-US" dirty="0"/>
-              <a:t>We used US Accidents dataset from Kaggle which has 2.9million observations and 49 features</a:t>
+              <a:t>DATA SET:</a:t>
+            </a:r>
+          </a:p>
+          <a:p>
+            <a:r>
+              <a:rPr lang="en-US" dirty="0"/>
+              <a:t>	We used US Accidents dataset from Kaggle which has 2.9million observations and 49 features</a:t>
             </a:r>
           </a:p>
           <a:p>
@@ -524,13 +530,28 @@
           <a:p>
             <a:r>
               <a:rPr lang="en-US" dirty="0"/>
-              <a:t>Our application is a Data analysis and Visualization tool to help understand the complex and large dataset from US accidents</a:t>
+              <a:t>APPLICATION:</a:t>
             </a:r>
           </a:p>
           <a:p>
             <a:r>
               <a:rPr lang="en-US" dirty="0"/>
-              <a:t>It also uses Algorithms such as Decision Trees, Random Forest, SVM etc. to help predict severity of accidents with specific arguments in our chosen parameters</a:t>
+              <a:t>	Our application is a Data analysis and Visualization tool to help understand the complex and large dataset from US accidents</a:t>
+            </a:r>
+          </a:p>
+          <a:p>
+            <a:r>
+              <a:rPr lang="en-US" dirty="0"/>
+              <a:t>	It also uses Algorithms such as Decision Trees, Random Forest, SVM etc. to help predict severity of accidents with specific arguments in our chosen parameters</a:t>
+            </a:r>
+          </a:p>
+          <a:p>
+            <a:endParaRPr lang="en-US" dirty="0"/>
+          </a:p>
+          <a:p>
+            <a:r>
+              <a:rPr lang="en-US" dirty="0"/>
+              <a:t>DEMO IN THE END:</a:t>
             </a:r>
           </a:p>
         </p:txBody>
@@ -617,7 +638,40 @@
           <a:p>
             <a:r>
               <a:rPr lang="en-US" dirty="0"/>
-              <a:t>We deleted unnecessary columns such as where the data set was gathered</a:t>
+              <a:t>Feature selection</a:t>
+            </a:r>
+          </a:p>
+          <a:p>
+            <a:r>
+              <a:rPr lang="en-US" dirty="0"/>
+              <a:t>	To reduce dimensionality</a:t>
+            </a:r>
+          </a:p>
+          <a:p>
+            <a:r>
+              <a:rPr lang="en-US" dirty="0"/>
+              <a:t>	We deleted unnecessary columns such as where the data set was gathered</a:t>
+            </a:r>
+          </a:p>
+          <a:p>
+            <a:r>
+              <a:rPr lang="en-US" dirty="0"/>
+              <a:t>	We too in features that would help in the visualization and prediction of the data set</a:t>
+            </a:r>
+          </a:p>
+          <a:p>
+            <a:endParaRPr lang="en-US" dirty="0"/>
+          </a:p>
+          <a:p>
+            <a:r>
+              <a:rPr lang="en-US" dirty="0"/>
+              <a:t>Missing data</a:t>
+            </a:r>
+          </a:p>
+          <a:p>
+            <a:r>
+              <a:rPr lang="en-US" dirty="0"/>
+              <a:t>	We decided to take the mean of the whole data set to replace missing data</a:t>
             </a:r>
           </a:p>
           <a:p>
@@ -985,6 +1039,93 @@
     <p:extLst>
       <p:ext uri="{BB962C8B-B14F-4D97-AF65-F5344CB8AC3E}">
         <p14:creationId xmlns:p14="http://schemas.microsoft.com/office/powerpoint/2010/main" val="2173695845"/>
+      </p:ext>
+    </p:extLst>
+  </p:cSld>
+  <p:clrMapOvr>
+    <a:masterClrMapping/>
+  </p:clrMapOvr>
+</p:notes>
+</file>
+
+<file path=ppt/notesSlides/notesSlide5.xml><?xml version="1.0" encoding="utf-8"?>
+<p:notes xmlns:a="http://schemas.openxmlformats.org/drawingml/2006/main" xmlns:r="http://schemas.openxmlformats.org/officeDocument/2006/relationships" xmlns:p="http://schemas.openxmlformats.org/presentationml/2006/main">
+  <p:cSld>
+    <p:spTree>
+      <p:nvGrpSpPr>
+        <p:cNvPr id="1" name=""/>
+        <p:cNvGrpSpPr/>
+        <p:nvPr/>
+      </p:nvGrpSpPr>
+      <p:grpSpPr>
+        <a:xfrm>
+          <a:off x="0" y="0"/>
+          <a:ext cx="0" cy="0"/>
+          <a:chOff x="0" y="0"/>
+          <a:chExt cx="0" cy="0"/>
+        </a:xfrm>
+      </p:grpSpPr>
+      <p:sp>
+        <p:nvSpPr>
+          <p:cNvPr id="2" name="Slide Image Placeholder 1"/>
+          <p:cNvSpPr>
+            <a:spLocks noGrp="1" noRot="1" noChangeAspect="1"/>
+          </p:cNvSpPr>
+          <p:nvPr>
+            <p:ph type="sldImg"/>
+          </p:nvPr>
+        </p:nvSpPr>
+        <p:spPr/>
+      </p:sp>
+      <p:sp>
+        <p:nvSpPr>
+          <p:cNvPr id="3" name="Notes Placeholder 2"/>
+          <p:cNvSpPr>
+            <a:spLocks noGrp="1"/>
+          </p:cNvSpPr>
+          <p:nvPr>
+            <p:ph type="body" idx="1"/>
+          </p:nvPr>
+        </p:nvSpPr>
+        <p:spPr/>
+        <p:txBody>
+          <a:bodyPr/>
+          <a:lstStyle/>
+          <a:p>
+            <a:r>
+              <a:rPr lang="en-US" dirty="0"/>
+              <a:t>Please turn up the brightness in your screens</a:t>
+            </a:r>
+          </a:p>
+        </p:txBody>
+      </p:sp>
+      <p:sp>
+        <p:nvSpPr>
+          <p:cNvPr id="4" name="Slide Number Placeholder 3"/>
+          <p:cNvSpPr>
+            <a:spLocks noGrp="1"/>
+          </p:cNvSpPr>
+          <p:nvPr>
+            <p:ph type="sldNum" sz="quarter" idx="5"/>
+          </p:nvPr>
+        </p:nvSpPr>
+        <p:spPr/>
+        <p:txBody>
+          <a:bodyPr/>
+          <a:lstStyle/>
+          <a:p>
+            <a:fld id="{9B1BCF43-D255-F944-B487-72C9A7817D59}" type="slidenum">
+              <a:rPr lang="en-US" smtClean="0"/>
+              <a:t>6</a:t>
+            </a:fld>
+            <a:endParaRPr lang="en-US"/>
+          </a:p>
+        </p:txBody>
+      </p:sp>
+    </p:spTree>
+    <p:extLst>
+      <p:ext uri="{BB962C8B-B14F-4D97-AF65-F5344CB8AC3E}">
+        <p14:creationId xmlns:p14="http://schemas.microsoft.com/office/powerpoint/2010/main" val="3435615150"/>
       </p:ext>
     </p:extLst>
   </p:cSld>
@@ -1141,7 +1282,7 @@
           <a:p>
             <a:fld id="{B9697A7F-CD11-1542-A0CB-EEE68EC1F712}" type="datetimeFigureOut">
               <a:rPr lang="en-US" smtClean="0"/>
-              <a:t>4/14/20</a:t>
+              <a:t>4/19/20</a:t>
             </a:fld>
             <a:endParaRPr lang="en-US"/>
           </a:p>
@@ -1339,7 +1480,7 @@
           <a:p>
             <a:fld id="{B9697A7F-CD11-1542-A0CB-EEE68EC1F712}" type="datetimeFigureOut">
               <a:rPr lang="en-US" smtClean="0"/>
-              <a:t>4/14/20</a:t>
+              <a:t>4/19/20</a:t>
             </a:fld>
             <a:endParaRPr lang="en-US"/>
           </a:p>
@@ -1547,7 +1688,7 @@
           <a:p>
             <a:fld id="{B9697A7F-CD11-1542-A0CB-EEE68EC1F712}" type="datetimeFigureOut">
               <a:rPr lang="en-US" smtClean="0"/>
-              <a:t>4/14/20</a:t>
+              <a:t>4/19/20</a:t>
             </a:fld>
             <a:endParaRPr lang="en-US"/>
           </a:p>
@@ -1745,7 +1886,7 @@
           <a:p>
             <a:fld id="{B9697A7F-CD11-1542-A0CB-EEE68EC1F712}" type="datetimeFigureOut">
               <a:rPr lang="en-US" smtClean="0"/>
-              <a:t>4/14/20</a:t>
+              <a:t>4/19/20</a:t>
             </a:fld>
             <a:endParaRPr lang="en-US"/>
           </a:p>
@@ -2020,7 +2161,7 @@
           <a:p>
             <a:fld id="{B9697A7F-CD11-1542-A0CB-EEE68EC1F712}" type="datetimeFigureOut">
               <a:rPr lang="en-US" smtClean="0"/>
-              <a:t>4/14/20</a:t>
+              <a:t>4/19/20</a:t>
             </a:fld>
             <a:endParaRPr lang="en-US"/>
           </a:p>
@@ -2285,7 +2426,7 @@
           <a:p>
             <a:fld id="{B9697A7F-CD11-1542-A0CB-EEE68EC1F712}" type="datetimeFigureOut">
               <a:rPr lang="en-US" smtClean="0"/>
-              <a:t>4/14/20</a:t>
+              <a:t>4/19/20</a:t>
             </a:fld>
             <a:endParaRPr lang="en-US"/>
           </a:p>
@@ -2697,7 +2838,7 @@
           <a:p>
             <a:fld id="{B9697A7F-CD11-1542-A0CB-EEE68EC1F712}" type="datetimeFigureOut">
               <a:rPr lang="en-US" smtClean="0"/>
-              <a:t>4/14/20</a:t>
+              <a:t>4/19/20</a:t>
             </a:fld>
             <a:endParaRPr lang="en-US"/>
           </a:p>
@@ -2838,7 +2979,7 @@
           <a:p>
             <a:fld id="{B9697A7F-CD11-1542-A0CB-EEE68EC1F712}" type="datetimeFigureOut">
               <a:rPr lang="en-US" smtClean="0"/>
-              <a:t>4/14/20</a:t>
+              <a:t>4/19/20</a:t>
             </a:fld>
             <a:endParaRPr lang="en-US"/>
           </a:p>
@@ -2951,7 +3092,7 @@
           <a:p>
             <a:fld id="{B9697A7F-CD11-1542-A0CB-EEE68EC1F712}" type="datetimeFigureOut">
               <a:rPr lang="en-US" smtClean="0"/>
-              <a:t>4/14/20</a:t>
+              <a:t>4/19/20</a:t>
             </a:fld>
             <a:endParaRPr lang="en-US"/>
           </a:p>
@@ -3262,7 +3403,7 @@
           <a:p>
             <a:fld id="{B9697A7F-CD11-1542-A0CB-EEE68EC1F712}" type="datetimeFigureOut">
               <a:rPr lang="en-US" smtClean="0"/>
-              <a:t>4/14/20</a:t>
+              <a:t>4/19/20</a:t>
             </a:fld>
             <a:endParaRPr lang="en-US"/>
           </a:p>
@@ -3550,7 +3691,7 @@
           <a:p>
             <a:fld id="{B9697A7F-CD11-1542-A0CB-EEE68EC1F712}" type="datetimeFigureOut">
               <a:rPr lang="en-US" smtClean="0"/>
-              <a:t>4/14/20</a:t>
+              <a:t>4/19/20</a:t>
             </a:fld>
             <a:endParaRPr lang="en-US"/>
           </a:p>
@@ -3791,7 +3932,7 @@
           <a:p>
             <a:fld id="{B9697A7F-CD11-1542-A0CB-EEE68EC1F712}" type="datetimeFigureOut">
               <a:rPr lang="en-US" smtClean="0"/>
-              <a:t>4/14/20</a:t>
+              <a:t>4/19/20</a:t>
             </a:fld>
             <a:endParaRPr lang="en-US"/>
           </a:p>
@@ -4823,7 +4964,7 @@
           <a:lstStyle/>
           <a:p>
             <a:r>
-              <a:rPr lang="en-US" sz="2000">
+              <a:rPr lang="en-US" sz="2000" dirty="0">
                 <a:solidFill>
                   <a:schemeClr val="bg1"/>
                 </a:solidFill>
@@ -4833,12 +4974,42 @@
           </a:p>
           <a:p>
             <a:r>
-              <a:rPr lang="en-US" sz="2000">
+              <a:rPr lang="en-US" sz="2000" dirty="0">
                 <a:solidFill>
                   <a:schemeClr val="bg1"/>
                 </a:solidFill>
               </a:rPr>
-              <a:t>Our application</a:t>
+              <a:t>Pre-processing and Data Analysis</a:t>
+            </a:r>
+          </a:p>
+          <a:p>
+            <a:r>
+              <a:rPr lang="en-US" sz="2000" dirty="0">
+                <a:solidFill>
+                  <a:schemeClr val="bg1"/>
+                </a:solidFill>
+              </a:rPr>
+              <a:t>Data Visualization</a:t>
+            </a:r>
+          </a:p>
+          <a:p>
+            <a:r>
+              <a:rPr lang="en-US" sz="2000" dirty="0">
+                <a:solidFill>
+                  <a:schemeClr val="bg1"/>
+                </a:solidFill>
+              </a:rPr>
+              <a:t>ML Algorithms</a:t>
+            </a:r>
+          </a:p>
+          <a:p>
+            <a:r>
+              <a:rPr lang="en-US" sz="2000" dirty="0">
+                <a:solidFill>
+                  <a:schemeClr val="bg1"/>
+                </a:solidFill>
+              </a:rPr>
+              <a:t>Demonstration</a:t>
             </a:r>
           </a:p>
         </p:txBody>
@@ -5122,11 +5293,14 @@
           </a:bodyPr>
           <a:lstStyle/>
           <a:p>
-            <a:endParaRPr lang="en-US" sz="2000">
-              <a:solidFill>
-                <a:schemeClr val="bg1"/>
-              </a:solidFill>
-            </a:endParaRPr>
+            <a:r>
+              <a:rPr lang="en-US" sz="2000" dirty="0">
+                <a:solidFill>
+                  <a:schemeClr val="bg1"/>
+                </a:solidFill>
+              </a:rPr>
+              <a:t>Feature Selection </a:t>
+            </a:r>
           </a:p>
         </p:txBody>
       </p:sp>
@@ -5927,7 +6101,7 @@
           <a:lstStyle/>
           <a:p>
             <a:r>
-              <a:rPr lang="en-US" sz="8000">
+              <a:rPr lang="en-US" sz="8000" dirty="0">
                 <a:solidFill>
                   <a:schemeClr val="bg1"/>
                 </a:solidFill>
@@ -5935,13 +6109,13 @@
               <a:t>Demo</a:t>
             </a:r>
             <a:br>
-              <a:rPr lang="en-US" sz="8000">
+              <a:rPr lang="en-US" sz="8000" dirty="0">
                 <a:solidFill>
                   <a:schemeClr val="bg1"/>
                 </a:solidFill>
               </a:rPr>
             </a:br>
-            <a:endParaRPr lang="en-US" sz="8000">
+            <a:endParaRPr lang="en-US" sz="8000" dirty="0">
               <a:solidFill>
                 <a:schemeClr val="bg1"/>
               </a:solidFill>
